--- a/00. Git - tutorial - Zasoby sieciowe (sznurki).pptx
+++ b/00. Git - tutorial - Zasoby sieciowe (sznurki).pptx
@@ -5,11 +5,13 @@
     <p:sldMasterId id="2147483648" r:id="rId1"/>
   </p:sldMasterIdLst>
   <p:notesMasterIdLst>
-    <p:notesMasterId r:id="rId4"/>
+    <p:notesMasterId r:id="rId6"/>
   </p:notesMasterIdLst>
   <p:sldIdLst>
     <p:sldId id="310" r:id="rId2"/>
     <p:sldId id="309" r:id="rId3"/>
+    <p:sldId id="311" r:id="rId4"/>
+    <p:sldId id="312" r:id="rId5"/>
   </p:sldIdLst>
   <p:sldSz cx="9144000" cy="5143500" type="screen16x9"/>
   <p:notesSz cx="6858000" cy="9144000"/>
@@ -108,6 +110,22 @@
       </a:defRPr>
     </a:lvl9pPr>
   </p:defaultTextStyle>
+  <p:extLst>
+    <p:ext uri="{EFAFB233-063F-42B5-8137-9DF3F51BA10A}">
+      <p15:sldGuideLst xmlns:p15="http://schemas.microsoft.com/office/powerpoint/2012/main">
+        <p15:guide id="1" orient="horz" pos="1620">
+          <p15:clr>
+            <a:srgbClr val="A4A3A4"/>
+          </p15:clr>
+        </p15:guide>
+        <p15:guide id="2" pos="2880">
+          <p15:clr>
+            <a:srgbClr val="A4A3A4"/>
+          </p15:clr>
+        </p15:guide>
+      </p15:sldGuideLst>
+    </p:ext>
+  </p:extLst>
 </p:presentation>
 </file>
 
@@ -3559,6 +3577,13 @@
   <p:clrMapOvr>
     <a:masterClrMapping/>
   </p:clrMapOvr>
+  <p:timing>
+    <p:tnLst>
+      <p:par>
+        <p:cTn id="1" dur="indefinite" restart="never" nodeType="tmRoot"/>
+      </p:par>
+    </p:tnLst>
+  </p:timing>
 </p:sld>
 </file>
 
@@ -3607,69 +3632,22 @@
             <a:r>
               <a:rPr lang="pl-PL" sz="1600" dirty="0" smtClean="0">
                 <a:latin typeface="+mj-lt"/>
-              </a:rPr>
-              <a:t>Kurs Git od podstaw</a:t>
-            </a:r>
-            <a:endParaRPr lang="pl-PL" sz="1600" dirty="0" smtClean="0">
-              <a:latin typeface="+mj-lt"/>
-              <a:hlinkClick r:id="rId2"/>
-            </a:endParaRPr>
-          </a:p>
-          <a:p>
-            <a:pPr marL="0" indent="0">
-              <a:buNone/>
-            </a:pPr>
+                <a:hlinkClick r:id="rId2"/>
+              </a:rPr>
+              <a:t>https</a:t>
+            </a:r>
+            <a:r>
+              <a:rPr lang="pl-PL" sz="1600" dirty="0">
+                <a:latin typeface="+mj-lt"/>
+                <a:hlinkClick r:id="rId2"/>
+              </a:rPr>
+              <a:t>://git-scm.com</a:t>
+            </a:r>
             <a:r>
               <a:rPr lang="pl-PL" sz="1600" dirty="0" smtClean="0">
                 <a:latin typeface="+mj-lt"/>
                 <a:hlinkClick r:id="rId2"/>
               </a:rPr>
-              <a:t>https</a:t>
-            </a:r>
-            <a:r>
-              <a:rPr lang="pl-PL" sz="1600" dirty="0">
-                <a:latin typeface="+mj-lt"/>
-                <a:hlinkClick r:id="rId2"/>
-              </a:rPr>
-              <a:t>://</a:t>
-            </a:r>
-            <a:r>
-              <a:rPr lang="pl-PL" sz="1600" dirty="0" smtClean="0">
-                <a:latin typeface="+mj-lt"/>
-                <a:hlinkClick r:id="rId2"/>
-              </a:rPr>
-              <a:t>youtube.com/playlist?list=PLjHmWifVUNMKIGHmaGPVqSD-L6i1Zw-MH</a:t>
-            </a:r>
-          </a:p>
-          <a:p>
-            <a:pPr marL="0" indent="0">
-              <a:buNone/>
-            </a:pPr>
-            <a:r>
-              <a:rPr lang="pl-PL" sz="1600" dirty="0">
-                <a:latin typeface="+mj-lt"/>
-                <a:hlinkClick r:id="rId2"/>
-              </a:rPr>
-              <a:t/>
-            </a:r>
-            <a:br>
-              <a:rPr lang="pl-PL" sz="1600" dirty="0">
-                <a:latin typeface="+mj-lt"/>
-                <a:hlinkClick r:id="rId2"/>
-              </a:rPr>
-            </a:br>
-            <a:r>
-              <a:rPr lang="pl-PL" sz="1600" dirty="0">
-                <a:latin typeface="+mj-lt"/>
-                <a:hlinkClick r:id="rId2"/>
-              </a:rPr>
-              <a:t>https://gitlab.com</a:t>
-            </a:r>
-            <a:r>
-              <a:rPr lang="pl-PL" sz="1600" dirty="0" smtClean="0">
-                <a:latin typeface="+mj-lt"/>
-                <a:hlinkClick r:id="rId2"/>
-              </a:rPr>
               <a:t>/</a:t>
             </a:r>
             <a:endParaRPr lang="pl-PL" sz="1600" dirty="0" smtClean="0">
@@ -3682,18 +3660,78 @@
             </a:pPr>
             <a:r>
               <a:rPr lang="pl-PL" sz="1600" dirty="0">
-                <a:latin typeface="+mj-lt"/>
                 <a:hlinkClick r:id="rId3"/>
               </a:rPr>
-              <a:t>https://git-scm.com</a:t>
+              <a:t>https://gitlab.com</a:t>
             </a:r>
             <a:r>
               <a:rPr lang="pl-PL" sz="1600" dirty="0" smtClean="0">
-                <a:latin typeface="+mj-lt"/>
                 <a:hlinkClick r:id="rId3"/>
               </a:rPr>
               <a:t>/</a:t>
             </a:r>
+            <a:endParaRPr lang="pl-PL" sz="1600" dirty="0" smtClean="0"/>
+          </a:p>
+          <a:p>
+            <a:pPr marL="0" indent="0">
+              <a:buNone/>
+            </a:pPr>
+            <a:r>
+              <a:rPr lang="pl-PL" sz="1600" dirty="0">
+                <a:hlinkClick r:id="rId4"/>
+              </a:rPr>
+              <a:t>https://</a:t>
+            </a:r>
+            <a:r>
+              <a:rPr lang="pl-PL" sz="1600" dirty="0" smtClean="0">
+                <a:hlinkClick r:id="rId4"/>
+              </a:rPr>
+              <a:t>github.com</a:t>
+            </a:r>
+            <a:endParaRPr lang="pl-PL" sz="1600" dirty="0" smtClean="0"/>
+          </a:p>
+          <a:p>
+            <a:pPr marL="0" indent="0">
+              <a:buNone/>
+            </a:pPr>
+            <a:endParaRPr lang="pl-PL" sz="1600" dirty="0" smtClean="0"/>
+          </a:p>
+          <a:p>
+            <a:pPr marL="0" indent="0">
+              <a:buNone/>
+            </a:pPr>
+            <a:r>
+              <a:rPr lang="pl-PL" sz="1600" dirty="0">
+                <a:hlinkClick r:id="rId5"/>
+              </a:rPr>
+              <a:t>https://</a:t>
+            </a:r>
+            <a:r>
+              <a:rPr lang="pl-PL" sz="1600" dirty="0" smtClean="0">
+                <a:hlinkClick r:id="rId5"/>
+              </a:rPr>
+              <a:t>git-scm.com/downloads/guis</a:t>
+            </a:r>
+            <a:endParaRPr lang="pl-PL" sz="1600" dirty="0" smtClean="0"/>
+          </a:p>
+          <a:p>
+            <a:pPr marL="0" indent="0">
+              <a:buNone/>
+            </a:pPr>
+            <a:endParaRPr lang="pl-PL" sz="1600" dirty="0"/>
+          </a:p>
+          <a:p>
+            <a:pPr marL="0" indent="0">
+              <a:buNone/>
+            </a:pPr>
+            <a:endParaRPr lang="pl-PL" sz="1600" dirty="0" smtClean="0">
+              <a:latin typeface="+mj-lt"/>
+            </a:endParaRPr>
+          </a:p>
+          <a:p>
+            <a:pPr marL="0" indent="0">
+              <a:buNone/>
+            </a:pPr>
             <a:endParaRPr lang="pl-PL" sz="1600" dirty="0" smtClean="0">
               <a:latin typeface="+mj-lt"/>
             </a:endParaRPr>
@@ -3717,7 +3755,7 @@
           <p:nvPr/>
         </p:nvPicPr>
         <p:blipFill>
-          <a:blip r:embed="rId4" cstate="print">
+          <a:blip r:embed="rId6" cstate="print">
             <a:extLst>
               <a:ext uri="{28A0092B-C50C-407E-A947-70E740481C1C}">
                 <a14:useLocalDpi xmlns:a14="http://schemas.microsoft.com/office/drawing/2010/main" val="0"/>
@@ -3753,6 +3791,957 @@
     <p:extLst>
       <p:ext uri="{BB962C8B-B14F-4D97-AF65-F5344CB8AC3E}">
         <p14:creationId xmlns:p14="http://schemas.microsoft.com/office/powerpoint/2010/main" val="2046278719"/>
+      </p:ext>
+    </p:extLst>
+  </p:cSld>
+  <p:clrMapOvr>
+    <a:masterClrMapping/>
+  </p:clrMapOvr>
+  <p:timing>
+    <p:tnLst>
+      <p:par>
+        <p:cTn id="1" dur="indefinite" restart="never" nodeType="tmRoot"/>
+      </p:par>
+    </p:tnLst>
+  </p:timing>
+</p:sld>
+</file>
+
+<file path=ppt/slides/slide3.xml><?xml version="1.0" encoding="utf-8"?>
+<p:sld xmlns:a="http://schemas.openxmlformats.org/drawingml/2006/main" xmlns:r="http://schemas.openxmlformats.org/officeDocument/2006/relationships" xmlns:p="http://schemas.openxmlformats.org/presentationml/2006/main">
+  <p:cSld>
+    <p:spTree>
+      <p:nvGrpSpPr>
+        <p:cNvPr id="1" name=""/>
+        <p:cNvGrpSpPr/>
+        <p:nvPr/>
+      </p:nvGrpSpPr>
+      <p:grpSpPr>
+        <a:xfrm>
+          <a:off x="0" y="0"/>
+          <a:ext cx="0" cy="0"/>
+          <a:chOff x="0" y="0"/>
+          <a:chExt cx="0" cy="0"/>
+        </a:xfrm>
+      </p:grpSpPr>
+      <p:sp>
+        <p:nvSpPr>
+          <p:cNvPr id="3" name="Symbol zastępczy zawartości 2"/>
+          <p:cNvSpPr>
+            <a:spLocks noGrp="1"/>
+          </p:cNvSpPr>
+          <p:nvPr>
+            <p:ph idx="1"/>
+          </p:nvPr>
+        </p:nvSpPr>
+        <p:spPr>
+          <a:xfrm>
+            <a:off x="457200" y="2427734"/>
+            <a:ext cx="8229600" cy="2166888"/>
+          </a:xfrm>
+        </p:spPr>
+        <p:txBody>
+          <a:bodyPr>
+            <a:normAutofit fontScale="77500" lnSpcReduction="20000"/>
+          </a:bodyPr>
+          <a:lstStyle/>
+          <a:p>
+            <a:r>
+              <a:rPr lang="pl-PL" sz="1600" b="1" dirty="0">
+                <a:latin typeface="+mj-lt"/>
+              </a:rPr>
+              <a:t>Kurs gita po polsku</a:t>
+            </a:r>
+            <a:endParaRPr lang="pl-PL" sz="1600" b="1" dirty="0" smtClean="0">
+              <a:latin typeface="+mj-lt"/>
+            </a:endParaRPr>
+          </a:p>
+          <a:p>
+            <a:pPr marL="0" indent="0">
+              <a:buNone/>
+            </a:pPr>
+            <a:r>
+              <a:rPr lang="pl-PL" sz="1600" dirty="0">
+                <a:latin typeface="+mj-lt"/>
+                <a:hlinkClick r:id="rId2"/>
+              </a:rPr>
+              <a:t>https://</a:t>
+            </a:r>
+            <a:r>
+              <a:rPr lang="pl-PL" sz="1600" dirty="0" smtClean="0">
+                <a:latin typeface="+mj-lt"/>
+                <a:hlinkClick r:id="rId2"/>
+              </a:rPr>
+              <a:t>www.youtube.com/watch?v=D6EI7EbEN4Q</a:t>
+            </a:r>
+            <a:endParaRPr lang="pl-PL" sz="1600" dirty="0" smtClean="0">
+              <a:latin typeface="+mj-lt"/>
+            </a:endParaRPr>
+          </a:p>
+          <a:p>
+            <a:r>
+              <a:rPr lang="pl-PL" sz="1600" b="1" dirty="0">
+                <a:latin typeface="+mj-lt"/>
+              </a:rPr>
+              <a:t>GIT OD PODSTAW - tutorial dla początkujących</a:t>
+            </a:r>
+            <a:endParaRPr lang="pl-PL" sz="1600" b="1" dirty="0" smtClean="0">
+              <a:latin typeface="+mj-lt"/>
+            </a:endParaRPr>
+          </a:p>
+          <a:p>
+            <a:pPr marL="0" indent="0">
+              <a:buNone/>
+            </a:pPr>
+            <a:r>
+              <a:rPr lang="pl-PL" sz="1600" dirty="0">
+                <a:latin typeface="+mj-lt"/>
+                <a:hlinkClick r:id="rId3"/>
+              </a:rPr>
+              <a:t>https://</a:t>
+            </a:r>
+            <a:r>
+              <a:rPr lang="pl-PL" sz="1600" dirty="0" smtClean="0">
+                <a:latin typeface="+mj-lt"/>
+                <a:hlinkClick r:id="rId3"/>
+              </a:rPr>
+              <a:t>www.youtube.com/watch?v=j-EhgAi-u-Y&amp;t=25s</a:t>
+            </a:r>
+            <a:endParaRPr lang="pl-PL" sz="1600" dirty="0" smtClean="0">
+              <a:latin typeface="+mj-lt"/>
+            </a:endParaRPr>
+          </a:p>
+          <a:p>
+            <a:r>
+              <a:rPr lang="pl-PL" sz="1600" b="1" dirty="0">
+                <a:latin typeface="+mj-lt"/>
+              </a:rPr>
+              <a:t>CO TO JEST GIT? Instalacja i pierwsze repozytorium</a:t>
+            </a:r>
+            <a:endParaRPr lang="pl-PL" sz="1600" b="1" dirty="0" smtClean="0">
+              <a:latin typeface="+mj-lt"/>
+            </a:endParaRPr>
+          </a:p>
+          <a:p>
+            <a:pPr marL="0" indent="0">
+              <a:buNone/>
+            </a:pPr>
+            <a:r>
+              <a:rPr lang="pl-PL" sz="1600" dirty="0">
+                <a:latin typeface="+mj-lt"/>
+                <a:hlinkClick r:id="rId4"/>
+              </a:rPr>
+              <a:t>https://</a:t>
+            </a:r>
+            <a:r>
+              <a:rPr lang="pl-PL" sz="1600" dirty="0" smtClean="0">
+                <a:latin typeface="+mj-lt"/>
+                <a:hlinkClick r:id="rId4"/>
+              </a:rPr>
+              <a:t>www.youtube.com/watch?v=b7ICJ93hnUg</a:t>
+            </a:r>
+            <a:endParaRPr lang="pl-PL" sz="1600" dirty="0" smtClean="0">
+              <a:latin typeface="+mj-lt"/>
+            </a:endParaRPr>
+          </a:p>
+          <a:p>
+            <a:r>
+              <a:rPr lang="pl-PL" sz="1600" b="1" dirty="0">
+                <a:latin typeface="+mj-lt"/>
+              </a:rPr>
+              <a:t>Git </a:t>
+            </a:r>
+            <a:r>
+              <a:rPr lang="pl-PL" sz="1600" b="1" dirty="0" err="1">
+                <a:latin typeface="+mj-lt"/>
+              </a:rPr>
+              <a:t>merge</a:t>
+            </a:r>
+            <a:r>
+              <a:rPr lang="pl-PL" sz="1600" b="1" dirty="0">
+                <a:latin typeface="+mj-lt"/>
+              </a:rPr>
+              <a:t> vs. </a:t>
+            </a:r>
+            <a:r>
+              <a:rPr lang="pl-PL" sz="1600" b="1" dirty="0" err="1">
+                <a:latin typeface="+mj-lt"/>
+              </a:rPr>
+              <a:t>rebase</a:t>
+            </a:r>
+            <a:r>
+              <a:rPr lang="pl-PL" sz="1600" b="1" dirty="0">
+                <a:latin typeface="+mj-lt"/>
+              </a:rPr>
+              <a:t> (i jak robić to dobrze)</a:t>
+            </a:r>
+            <a:endParaRPr lang="pl-PL" sz="1600" b="1" dirty="0" smtClean="0">
+              <a:latin typeface="+mj-lt"/>
+            </a:endParaRPr>
+          </a:p>
+          <a:p>
+            <a:pPr marL="0" indent="0">
+              <a:buNone/>
+            </a:pPr>
+            <a:r>
+              <a:rPr lang="pl-PL" sz="1600" dirty="0">
+                <a:latin typeface="+mj-lt"/>
+                <a:hlinkClick r:id="rId5"/>
+              </a:rPr>
+              <a:t>https://</a:t>
+            </a:r>
+            <a:r>
+              <a:rPr lang="pl-PL" sz="1600" dirty="0" smtClean="0">
+                <a:latin typeface="+mj-lt"/>
+                <a:hlinkClick r:id="rId5"/>
+              </a:rPr>
+              <a:t>www.youtube.com/watch?v=dWT9cr0A-JY</a:t>
+            </a:r>
+            <a:endParaRPr lang="pl-PL" sz="1600" dirty="0" smtClean="0">
+              <a:latin typeface="+mj-lt"/>
+            </a:endParaRPr>
+          </a:p>
+          <a:p>
+            <a:r>
+              <a:rPr lang="pl-PL" sz="1600" b="1" dirty="0">
+                <a:latin typeface="+mj-lt"/>
+              </a:rPr>
+              <a:t>Git i interaktywny </a:t>
+            </a:r>
+            <a:r>
+              <a:rPr lang="pl-PL" sz="1600" b="1" dirty="0" err="1">
+                <a:latin typeface="+mj-lt"/>
+              </a:rPr>
+              <a:t>rebase</a:t>
+            </a:r>
+            <a:r>
+              <a:rPr lang="pl-PL" sz="1600" b="1" dirty="0">
+                <a:latin typeface="+mj-lt"/>
+              </a:rPr>
+              <a:t> - edytujemy historię </a:t>
+            </a:r>
+            <a:r>
+              <a:rPr lang="pl-PL" sz="1600" b="1" dirty="0" err="1">
+                <a:latin typeface="+mj-lt"/>
+              </a:rPr>
+              <a:t>commitów</a:t>
+            </a:r>
+            <a:r>
+              <a:rPr lang="pl-PL" sz="1600" b="1" dirty="0">
+                <a:latin typeface="+mj-lt"/>
+              </a:rPr>
+              <a:t> w Gicie</a:t>
+            </a:r>
+          </a:p>
+          <a:p>
+            <a:pPr marL="0" indent="0">
+              <a:buNone/>
+            </a:pPr>
+            <a:r>
+              <a:rPr lang="pl-PL" sz="1600" dirty="0">
+                <a:latin typeface="+mj-lt"/>
+                <a:hlinkClick r:id="rId6"/>
+              </a:rPr>
+              <a:t>https://</a:t>
+            </a:r>
+            <a:r>
+              <a:rPr lang="pl-PL" sz="1600" dirty="0" smtClean="0">
+                <a:latin typeface="+mj-lt"/>
+                <a:hlinkClick r:id="rId6"/>
+              </a:rPr>
+              <a:t>www.youtube.com/watch?v=6NYVXNoBYz8</a:t>
+            </a:r>
+            <a:endParaRPr lang="pl-PL" sz="1600" dirty="0" smtClean="0">
+              <a:latin typeface="+mj-lt"/>
+            </a:endParaRPr>
+          </a:p>
+          <a:p>
+            <a:pPr marL="0" indent="0">
+              <a:buNone/>
+            </a:pPr>
+            <a:endParaRPr lang="pl-PL" sz="1600" dirty="0" smtClean="0">
+              <a:latin typeface="+mj-lt"/>
+            </a:endParaRPr>
+          </a:p>
+          <a:p>
+            <a:pPr marL="0" indent="0">
+              <a:buNone/>
+            </a:pPr>
+            <a:endParaRPr lang="pl-PL" sz="1600" dirty="0" smtClean="0">
+              <a:latin typeface="+mj-lt"/>
+            </a:endParaRPr>
+          </a:p>
+        </p:txBody>
+      </p:sp>
+      <p:pic>
+        <p:nvPicPr>
+          <p:cNvPr id="1026" name="Picture 2" descr="GitHub - marek-saji/git-przewodnik: Przewodnik po Gicie. Na chwilę obecną  dość chaotyczny."/>
+          <p:cNvPicPr>
+            <a:picLocks noChangeAspect="1" noChangeArrowheads="1"/>
+          </p:cNvPicPr>
+          <p:nvPr/>
+        </p:nvPicPr>
+        <p:blipFill>
+          <a:blip r:embed="rId7" cstate="print">
+            <a:extLst>
+              <a:ext uri="{28A0092B-C50C-407E-A947-70E740481C1C}">
+                <a14:useLocalDpi xmlns:a14="http://schemas.microsoft.com/office/drawing/2010/main" val="0"/>
+              </a:ext>
+            </a:extLst>
+          </a:blip>
+          <a:srcRect/>
+          <a:stretch>
+            <a:fillRect/>
+          </a:stretch>
+        </p:blipFill>
+        <p:spPr bwMode="auto">
+          <a:xfrm>
+            <a:off x="2771800" y="1131590"/>
+            <a:ext cx="2116656" cy="883878"/>
+          </a:xfrm>
+          <a:prstGeom prst="rect">
+            <a:avLst/>
+          </a:prstGeom>
+          <a:noFill/>
+          <a:extLst>
+            <a:ext uri="{909E8E84-426E-40DD-AFC4-6F175D3DCCD1}">
+              <a14:hiddenFill xmlns:a14="http://schemas.microsoft.com/office/drawing/2010/main">
+                <a:solidFill>
+                  <a:srgbClr val="FFFFFF"/>
+                </a:solidFill>
+              </a14:hiddenFill>
+            </a:ext>
+          </a:extLst>
+        </p:spPr>
+      </p:pic>
+      <p:sp>
+        <p:nvSpPr>
+          <p:cNvPr id="4" name="pole tekstowe 3"/>
+          <p:cNvSpPr txBox="1"/>
+          <p:nvPr/>
+        </p:nvSpPr>
+        <p:spPr>
+          <a:xfrm>
+            <a:off x="827584" y="673519"/>
+            <a:ext cx="3168352" cy="369332"/>
+          </a:xfrm>
+          <a:prstGeom prst="rect">
+            <a:avLst/>
+          </a:prstGeom>
+          <a:noFill/>
+        </p:spPr>
+        <p:txBody>
+          <a:bodyPr wrap="square" rtlCol="0">
+            <a:spAutoFit/>
+          </a:bodyPr>
+          <a:lstStyle/>
+          <a:p>
+            <a:r>
+              <a:rPr lang="pl-PL" b="1" dirty="0" smtClean="0">
+                <a:solidFill>
+                  <a:srgbClr val="E62D08"/>
+                </a:solidFill>
+                <a:latin typeface="Verdana" panose="020B0604030504040204" pitchFamily="34" charset="0"/>
+                <a:ea typeface="Verdana" panose="020B0604030504040204" pitchFamily="34" charset="0"/>
+              </a:rPr>
+              <a:t>Git tutorial</a:t>
+            </a:r>
+            <a:endParaRPr lang="en-US" b="1" dirty="0">
+              <a:solidFill>
+                <a:srgbClr val="E62D08"/>
+              </a:solidFill>
+              <a:latin typeface="Verdana" panose="020B0604030504040204" pitchFamily="34" charset="0"/>
+              <a:ea typeface="Verdana" panose="020B0604030504040204" pitchFamily="34" charset="0"/>
+            </a:endParaRPr>
+          </a:p>
+        </p:txBody>
+      </p:sp>
+    </p:spTree>
+    <p:extLst>
+      <p:ext uri="{BB962C8B-B14F-4D97-AF65-F5344CB8AC3E}">
+        <p14:creationId xmlns:p14="http://schemas.microsoft.com/office/powerpoint/2010/main" val="527247173"/>
+      </p:ext>
+    </p:extLst>
+  </p:cSld>
+  <p:clrMapOvr>
+    <a:masterClrMapping/>
+  </p:clrMapOvr>
+  <p:timing>
+    <p:tnLst>
+      <p:par>
+        <p:cTn id="1" dur="indefinite" restart="never" nodeType="tmRoot"/>
+      </p:par>
+    </p:tnLst>
+  </p:timing>
+</p:sld>
+</file>
+
+<file path=ppt/slides/slide4.xml><?xml version="1.0" encoding="utf-8"?>
+<p:sld xmlns:a="http://schemas.openxmlformats.org/drawingml/2006/main" xmlns:r="http://schemas.openxmlformats.org/officeDocument/2006/relationships" xmlns:p="http://schemas.openxmlformats.org/presentationml/2006/main">
+  <p:cSld>
+    <p:spTree>
+      <p:nvGrpSpPr>
+        <p:cNvPr id="1" name=""/>
+        <p:cNvGrpSpPr/>
+        <p:nvPr/>
+      </p:nvGrpSpPr>
+      <p:grpSpPr>
+        <a:xfrm>
+          <a:off x="0" y="0"/>
+          <a:ext cx="0" cy="0"/>
+          <a:chOff x="0" y="0"/>
+          <a:chExt cx="0" cy="0"/>
+        </a:xfrm>
+      </p:grpSpPr>
+      <p:sp>
+        <p:nvSpPr>
+          <p:cNvPr id="3" name="Symbol zastępczy zawartości 2"/>
+          <p:cNvSpPr>
+            <a:spLocks noGrp="1"/>
+          </p:cNvSpPr>
+          <p:nvPr>
+            <p:ph idx="1"/>
+          </p:nvPr>
+        </p:nvSpPr>
+        <p:spPr>
+          <a:xfrm>
+            <a:off x="539552" y="1165262"/>
+            <a:ext cx="8229600" cy="3854760"/>
+          </a:xfrm>
+        </p:spPr>
+        <p:txBody>
+          <a:bodyPr>
+            <a:normAutofit fontScale="70000" lnSpcReduction="20000"/>
+          </a:bodyPr>
+          <a:lstStyle/>
+          <a:p>
+            <a:r>
+              <a:rPr lang="pl-PL" sz="1400" b="1" dirty="0" smtClean="0"/>
+              <a:t>#1 Czym </a:t>
+            </a:r>
+            <a:r>
+              <a:rPr lang="pl-PL" sz="1400" b="1" dirty="0"/>
+              <a:t>jest Git? </a:t>
+            </a:r>
+            <a:endParaRPr lang="pl-PL" sz="1400" b="1" dirty="0" smtClean="0"/>
+          </a:p>
+          <a:p>
+            <a:pPr marL="0" indent="0">
+              <a:buNone/>
+            </a:pPr>
+            <a:r>
+              <a:rPr lang="pl-PL" sz="1400" u="sng" dirty="0" smtClean="0">
+                <a:hlinkClick r:id="rId2"/>
+              </a:rPr>
+              <a:t>https</a:t>
+            </a:r>
+            <a:r>
+              <a:rPr lang="pl-PL" sz="1400" u="sng" dirty="0">
+                <a:hlinkClick r:id="rId2"/>
+              </a:rPr>
+              <a:t>://www.youtube.com/watch?v=D6EI7EbEN4Q&amp;list=PLjHmWifVUNMKIGHmaGPVqSD-L6i1Zw-MH&amp;index=1</a:t>
+            </a:r>
+            <a:r>
+              <a:rPr lang="pl-PL" sz="1400" dirty="0"/>
+              <a:t> </a:t>
+            </a:r>
+            <a:endParaRPr lang="pl-PL" sz="1400" dirty="0" smtClean="0"/>
+          </a:p>
+          <a:p>
+            <a:r>
+              <a:rPr lang="pl-PL" sz="1400" b="1" dirty="0" smtClean="0"/>
+              <a:t>#2 Jak </a:t>
+            </a:r>
+            <a:r>
+              <a:rPr lang="pl-PL" sz="1400" b="1" dirty="0"/>
+              <a:t>zapisać </a:t>
+            </a:r>
+            <a:r>
+              <a:rPr lang="pl-PL" sz="1400" b="1" dirty="0" smtClean="0"/>
+              <a:t>zmiany - Kurs gita po polsku</a:t>
+            </a:r>
+          </a:p>
+          <a:p>
+            <a:pPr marL="0" indent="0">
+              <a:buNone/>
+            </a:pPr>
+            <a:r>
+              <a:rPr lang="pl-PL" sz="1400" u="sng" dirty="0" smtClean="0">
+                <a:hlinkClick r:id="rId3"/>
+              </a:rPr>
+              <a:t>https://www.youtube.com/watch?v=4bXuEv2R3W4&amp;list=PLjHmWifVUNMKIGHmaGPVqSD-L6i1Zw-MH&amp;index=5</a:t>
+            </a:r>
+            <a:r>
+              <a:rPr lang="pl-PL" sz="1400" dirty="0" smtClean="0"/>
+              <a:t> </a:t>
+            </a:r>
+          </a:p>
+          <a:p>
+            <a:r>
+              <a:rPr lang="pl-PL" sz="1400" b="1" dirty="0" smtClean="0"/>
+              <a:t>#3 Przestrzeń </a:t>
+            </a:r>
+            <a:r>
+              <a:rPr lang="pl-PL" sz="1400" b="1" dirty="0"/>
+              <a:t>robocza i </a:t>
+            </a:r>
+            <a:r>
+              <a:rPr lang="pl-PL" sz="1400" b="1" dirty="0" err="1" smtClean="0"/>
+              <a:t>stage</a:t>
+            </a:r>
+            <a:endParaRPr lang="pl-PL" sz="1400" b="1" dirty="0"/>
+          </a:p>
+          <a:p>
+            <a:pPr marL="0" indent="0">
+              <a:buNone/>
+            </a:pPr>
+            <a:r>
+              <a:rPr lang="pl-PL" sz="1400" u="sng" dirty="0" smtClean="0">
+                <a:hlinkClick r:id="rId4"/>
+              </a:rPr>
+              <a:t>https</a:t>
+            </a:r>
+            <a:r>
+              <a:rPr lang="pl-PL" sz="1400" u="sng" dirty="0">
+                <a:hlinkClick r:id="rId4"/>
+              </a:rPr>
+              <a:t>://www.youtube.com/watch?v=gG80UsfMXsU&amp;list=PLjHmWifVUNMKIGHmaGPVqSD-L6i1Zw-MH&amp;index=3</a:t>
+            </a:r>
+            <a:r>
+              <a:rPr lang="pl-PL" sz="1400" dirty="0"/>
+              <a:t> </a:t>
+            </a:r>
+            <a:endParaRPr lang="pl-PL" sz="1400" dirty="0" smtClean="0"/>
+          </a:p>
+          <a:p>
+            <a:r>
+              <a:rPr lang="pl-PL" sz="1400" b="1" dirty="0" smtClean="0"/>
+              <a:t>#4 Zmiany </a:t>
+            </a:r>
+            <a:r>
+              <a:rPr lang="pl-PL" sz="1400" b="1" dirty="0"/>
+              <a:t>w </a:t>
+            </a:r>
+            <a:r>
+              <a:rPr lang="pl-PL" sz="1400" b="1" dirty="0" smtClean="0"/>
+              <a:t>git</a:t>
+            </a:r>
+            <a:endParaRPr lang="pl-PL" sz="1400" b="1" dirty="0"/>
+          </a:p>
+          <a:p>
+            <a:pPr marL="0" indent="0">
+              <a:buNone/>
+            </a:pPr>
+            <a:r>
+              <a:rPr lang="pl-PL" sz="1400" u="sng" dirty="0" smtClean="0">
+                <a:hlinkClick r:id="rId5"/>
+              </a:rPr>
+              <a:t>https</a:t>
+            </a:r>
+            <a:r>
+              <a:rPr lang="pl-PL" sz="1400" u="sng" dirty="0">
+                <a:hlinkClick r:id="rId5"/>
+              </a:rPr>
+              <a:t>://www.youtube.com/watch?v=bdtaspSmFCk&amp;list=PLjHmWifVUNMKIGHmaGPVqSD-L6i1Zw-MH&amp;index=4</a:t>
+            </a:r>
+            <a:r>
+              <a:rPr lang="pl-PL" sz="1400" dirty="0"/>
+              <a:t> </a:t>
+            </a:r>
+            <a:endParaRPr lang="pl-PL" sz="1400" dirty="0" smtClean="0"/>
+          </a:p>
+          <a:p>
+            <a:r>
+              <a:rPr lang="pl-PL" sz="1400" b="1" dirty="0" smtClean="0"/>
+              <a:t>#5 Przeglądanie </a:t>
+            </a:r>
+            <a:r>
+              <a:rPr lang="pl-PL" sz="1400" b="1" dirty="0"/>
+              <a:t>historii, git log Kurs Git po </a:t>
+            </a:r>
+            <a:r>
+              <a:rPr lang="pl-PL" sz="1400" b="1" dirty="0"/>
+              <a:t>polsku</a:t>
+            </a:r>
+          </a:p>
+          <a:p>
+            <a:pPr marL="0" indent="0">
+              <a:buNone/>
+            </a:pPr>
+            <a:r>
+              <a:rPr lang="pl-PL" sz="1400" u="sng" dirty="0" smtClean="0">
+                <a:hlinkClick r:id="rId6"/>
+              </a:rPr>
+              <a:t>https</a:t>
+            </a:r>
+            <a:r>
+              <a:rPr lang="pl-PL" sz="1400" u="sng" dirty="0">
+                <a:hlinkClick r:id="rId6"/>
+              </a:rPr>
+              <a:t>://www.youtube.com/watch?v=6e_jrbkqu70&amp;list=PLjHmWifVUNMKIGHmaGPVqSD-L6i1Zw-MH&amp;index=5</a:t>
+            </a:r>
+            <a:r>
+              <a:rPr lang="pl-PL" sz="1400" dirty="0"/>
+              <a:t> </a:t>
+            </a:r>
+            <a:endParaRPr lang="pl-PL" sz="1400" dirty="0" smtClean="0"/>
+          </a:p>
+          <a:p>
+            <a:r>
+              <a:rPr lang="pl-PL" sz="1400" b="1" dirty="0" smtClean="0"/>
+              <a:t>#6 Komentarze </a:t>
+            </a:r>
+            <a:r>
+              <a:rPr lang="pl-PL" sz="1400" b="1" dirty="0"/>
+              <a:t>dobre </a:t>
+            </a:r>
+            <a:r>
+              <a:rPr lang="pl-PL" sz="1400" b="1" dirty="0" smtClean="0"/>
+              <a:t>praktyki</a:t>
+            </a:r>
+            <a:endParaRPr lang="pl-PL" sz="1400" b="1" dirty="0"/>
+          </a:p>
+          <a:p>
+            <a:pPr marL="0" indent="0">
+              <a:buNone/>
+            </a:pPr>
+            <a:r>
+              <a:rPr lang="pl-PL" sz="1400" u="sng" dirty="0" smtClean="0">
+                <a:hlinkClick r:id="rId7"/>
+              </a:rPr>
+              <a:t>https</a:t>
+            </a:r>
+            <a:r>
+              <a:rPr lang="pl-PL" sz="1400" u="sng" dirty="0">
+                <a:hlinkClick r:id="rId7"/>
+              </a:rPr>
+              <a:t>://www.youtube.com/watch?v=Vhx_Pd87BA0&amp;list=PLjHmWifVUNMKIGHmaGPVqSD-L6i1Zw-MH&amp;index=6</a:t>
+            </a:r>
+            <a:r>
+              <a:rPr lang="pl-PL" sz="1400" dirty="0"/>
+              <a:t> </a:t>
+            </a:r>
+            <a:endParaRPr lang="pl-PL" sz="1400" dirty="0" smtClean="0"/>
+          </a:p>
+          <a:p>
+            <a:r>
+              <a:rPr lang="pl-PL" sz="1400" b="1" dirty="0" smtClean="0"/>
+              <a:t>#7 Polecenie </a:t>
+            </a:r>
+            <a:r>
+              <a:rPr lang="pl-PL" sz="1400" b="1" dirty="0"/>
+              <a:t>git </a:t>
+            </a:r>
+            <a:r>
+              <a:rPr lang="pl-PL" sz="1400" b="1" dirty="0" err="1" smtClean="0"/>
+              <a:t>stash</a:t>
+            </a:r>
+            <a:endParaRPr lang="pl-PL" sz="1400" b="1" dirty="0"/>
+          </a:p>
+          <a:p>
+            <a:pPr marL="0" indent="0">
+              <a:buNone/>
+            </a:pPr>
+            <a:r>
+              <a:rPr lang="pl-PL" sz="1400" u="sng" dirty="0" smtClean="0">
+                <a:hlinkClick r:id="rId8"/>
+              </a:rPr>
+              <a:t>https</a:t>
+            </a:r>
+            <a:r>
+              <a:rPr lang="pl-PL" sz="1400" u="sng" dirty="0">
+                <a:hlinkClick r:id="rId8"/>
+              </a:rPr>
+              <a:t>://www.youtube.com/watch?v=NXNNa7VyBd0&amp;list=PLjHmWifVUNMKIGHmaGPVqSD-L6i1Zw-MH&amp;index=7</a:t>
+            </a:r>
+            <a:r>
+              <a:rPr lang="pl-PL" sz="1400" dirty="0"/>
+              <a:t> </a:t>
+            </a:r>
+            <a:endParaRPr lang="pl-PL" sz="1400" dirty="0" smtClean="0"/>
+          </a:p>
+          <a:p>
+            <a:r>
+              <a:rPr lang="pl-PL" sz="1400" b="1" dirty="0" smtClean="0"/>
+              <a:t>#8 Czym </a:t>
+            </a:r>
+            <a:r>
+              <a:rPr lang="pl-PL" sz="1400" b="1" dirty="0"/>
+              <a:t>jest </a:t>
+            </a:r>
+            <a:r>
+              <a:rPr lang="pl-PL" sz="1400" b="1" dirty="0" err="1"/>
+              <a:t>branch</a:t>
+            </a:r>
+            <a:r>
+              <a:rPr lang="pl-PL" sz="1400" b="1" dirty="0" smtClean="0"/>
+              <a:t>?</a:t>
+            </a:r>
+            <a:endParaRPr lang="pl-PL" sz="1400" b="1" dirty="0"/>
+          </a:p>
+          <a:p>
+            <a:pPr marL="0" indent="0">
+              <a:buNone/>
+            </a:pPr>
+            <a:r>
+              <a:rPr lang="pl-PL" sz="1400" u="sng" dirty="0" smtClean="0">
+                <a:hlinkClick r:id="rId9"/>
+              </a:rPr>
+              <a:t>https</a:t>
+            </a:r>
+            <a:r>
+              <a:rPr lang="pl-PL" sz="1400" u="sng" dirty="0">
+                <a:hlinkClick r:id="rId9"/>
+              </a:rPr>
+              <a:t>://www.youtube.com/watch?v=I8lQK0NK0lY&amp;list=PLjHmWifVUNMKIGHmaGPVqSD-L6i1Zw-MH&amp;index=8</a:t>
+            </a:r>
+            <a:r>
+              <a:rPr lang="pl-PL" sz="1400" dirty="0"/>
+              <a:t> </a:t>
+            </a:r>
+            <a:endParaRPr lang="pl-PL" sz="1400" dirty="0" smtClean="0"/>
+          </a:p>
+          <a:p>
+            <a:r>
+              <a:rPr lang="pl-PL" sz="1400" b="1" dirty="0" smtClean="0"/>
+              <a:t>#9 Zdalne </a:t>
+            </a:r>
+            <a:r>
+              <a:rPr lang="pl-PL" sz="1400" b="1" dirty="0"/>
+              <a:t>repozytorium i </a:t>
+            </a:r>
+            <a:r>
+              <a:rPr lang="pl-PL" sz="1400" b="1" dirty="0" err="1" smtClean="0"/>
+              <a:t>fork</a:t>
+            </a:r>
+            <a:endParaRPr lang="pl-PL" sz="1400" b="1" dirty="0"/>
+          </a:p>
+          <a:p>
+            <a:pPr marL="0" indent="0">
+              <a:buNone/>
+            </a:pPr>
+            <a:r>
+              <a:rPr lang="pl-PL" sz="1400" u="sng" dirty="0" smtClean="0">
+                <a:hlinkClick r:id="rId10"/>
+              </a:rPr>
+              <a:t>https</a:t>
+            </a:r>
+            <a:r>
+              <a:rPr lang="pl-PL" sz="1400" u="sng" dirty="0">
+                <a:hlinkClick r:id="rId10"/>
+              </a:rPr>
+              <a:t>://www.youtube.com/watch?v=7myDXGfEnds&amp;list=PLjHmWifVUNMKIGHmaGPVqSD-L6i1Zw-MH&amp;index=9</a:t>
+            </a:r>
+            <a:r>
+              <a:rPr lang="pl-PL" sz="1400" dirty="0"/>
+              <a:t> </a:t>
+            </a:r>
+            <a:endParaRPr lang="pl-PL" sz="1400" dirty="0" smtClean="0"/>
+          </a:p>
+          <a:p>
+            <a:r>
+              <a:rPr lang="pl-PL" sz="1400" b="1" dirty="0" smtClean="0"/>
+              <a:t>#10 Rozwiązywanie konfliktów</a:t>
+            </a:r>
+            <a:endParaRPr lang="pl-PL" sz="1400" b="1" dirty="0"/>
+          </a:p>
+          <a:p>
+            <a:pPr marL="0" indent="0">
+              <a:buNone/>
+            </a:pPr>
+            <a:r>
+              <a:rPr lang="pl-PL" sz="1400" u="sng" dirty="0" smtClean="0">
+                <a:hlinkClick r:id="rId11"/>
+              </a:rPr>
+              <a:t>https</a:t>
+            </a:r>
+            <a:r>
+              <a:rPr lang="pl-PL" sz="1400" u="sng" dirty="0">
+                <a:hlinkClick r:id="rId11"/>
+              </a:rPr>
+              <a:t>://www.youtube.com/watch?v=mxDN0rYQyGA&amp;list=PLjHmWifVUNMKIGHmaGPVqSD-L6i1Zw-MH&amp;index=10</a:t>
+            </a:r>
+            <a:r>
+              <a:rPr lang="pl-PL" sz="1400" dirty="0"/>
+              <a:t> </a:t>
+            </a:r>
+            <a:endParaRPr lang="pl-PL" sz="1400" dirty="0" smtClean="0"/>
+          </a:p>
+          <a:p>
+            <a:r>
+              <a:rPr lang="pl-PL" sz="1400" b="1" dirty="0" smtClean="0"/>
+              <a:t>#11 Czym </a:t>
+            </a:r>
+            <a:r>
+              <a:rPr lang="pl-PL" sz="1400" b="1" dirty="0"/>
+              <a:t>jest </a:t>
+            </a:r>
+            <a:r>
+              <a:rPr lang="pl-PL" sz="1400" b="1" dirty="0" err="1"/>
+              <a:t>rebase</a:t>
+            </a:r>
+            <a:r>
+              <a:rPr lang="pl-PL" sz="1400" b="1" dirty="0" smtClean="0"/>
+              <a:t>?</a:t>
+            </a:r>
+            <a:endParaRPr lang="pl-PL" sz="1400" b="1" dirty="0"/>
+          </a:p>
+          <a:p>
+            <a:pPr marL="0" indent="0">
+              <a:buNone/>
+            </a:pPr>
+            <a:r>
+              <a:rPr lang="pl-PL" sz="1400" u="sng" dirty="0" smtClean="0">
+                <a:hlinkClick r:id="rId12"/>
+              </a:rPr>
+              <a:t>https</a:t>
+            </a:r>
+            <a:r>
+              <a:rPr lang="pl-PL" sz="1400" u="sng" dirty="0">
+                <a:hlinkClick r:id="rId12"/>
+              </a:rPr>
+              <a:t>://www.youtube.com/watch?v=OvqJ5RDg7rk&amp;list=PLjHmWifVUNMKIGHmaGPVqSD-L6i1Zw-MH&amp;index=11</a:t>
+            </a:r>
+            <a:r>
+              <a:rPr lang="pl-PL" sz="1400" dirty="0"/>
+              <a:t> </a:t>
+            </a:r>
+            <a:endParaRPr lang="pl-PL" sz="1400" dirty="0" smtClean="0"/>
+          </a:p>
+          <a:p>
+            <a:r>
+              <a:rPr lang="pl-PL" sz="1400" b="1" dirty="0" smtClean="0"/>
+              <a:t>#12 Czym </a:t>
+            </a:r>
+            <a:r>
+              <a:rPr lang="pl-PL" sz="1400" b="1" dirty="0"/>
+              <a:t>są </a:t>
+            </a:r>
+            <a:r>
+              <a:rPr lang="pl-PL" sz="1400" b="1" dirty="0" err="1"/>
+              <a:t>tagi</a:t>
+            </a:r>
+            <a:r>
+              <a:rPr lang="pl-PL" sz="1400" b="1" dirty="0" smtClean="0"/>
+              <a:t>?</a:t>
+            </a:r>
+            <a:endParaRPr lang="pl-PL" sz="1400" b="1" dirty="0"/>
+          </a:p>
+          <a:p>
+            <a:pPr marL="0" indent="0">
+              <a:buNone/>
+            </a:pPr>
+            <a:r>
+              <a:rPr lang="pl-PL" sz="1400" u="sng" dirty="0" smtClean="0">
+                <a:hlinkClick r:id="rId13"/>
+              </a:rPr>
+              <a:t>https</a:t>
+            </a:r>
+            <a:r>
+              <a:rPr lang="pl-PL" sz="1400" u="sng" dirty="0">
+                <a:hlinkClick r:id="rId13"/>
+              </a:rPr>
+              <a:t>://</a:t>
+            </a:r>
+            <a:r>
+              <a:rPr lang="pl-PL" sz="1400" u="sng" dirty="0" smtClean="0">
+                <a:hlinkClick r:id="rId13"/>
+              </a:rPr>
+              <a:t>www.youtube.com/watch?v=1g6QTpOGDzU&amp;list=PLjHmWifVUNMKIGHmaGPVqSD-L6i1Zw-MH&amp;index=12</a:t>
+            </a:r>
+            <a:endParaRPr lang="pl-PL" sz="1600" dirty="0" smtClean="0">
+              <a:latin typeface="+mj-lt"/>
+            </a:endParaRPr>
+          </a:p>
+        </p:txBody>
+      </p:sp>
+      <p:pic>
+        <p:nvPicPr>
+          <p:cNvPr id="1026" name="Picture 2" descr="GitHub - marek-saji/git-przewodnik: Przewodnik po Gicie. Na chwilę obecną  dość chaotyczny."/>
+          <p:cNvPicPr>
+            <a:picLocks noChangeAspect="1" noChangeArrowheads="1"/>
+          </p:cNvPicPr>
+          <p:nvPr/>
+        </p:nvPicPr>
+        <p:blipFill>
+          <a:blip r:embed="rId14" cstate="print">
+            <a:extLst>
+              <a:ext uri="{28A0092B-C50C-407E-A947-70E740481C1C}">
+                <a14:useLocalDpi xmlns:a14="http://schemas.microsoft.com/office/drawing/2010/main" val="0"/>
+              </a:ext>
+            </a:extLst>
+          </a:blip>
+          <a:srcRect/>
+          <a:stretch>
+            <a:fillRect/>
+          </a:stretch>
+        </p:blipFill>
+        <p:spPr bwMode="auto">
+          <a:xfrm>
+            <a:off x="3596024" y="158973"/>
+            <a:ext cx="2116656" cy="883878"/>
+          </a:xfrm>
+          <a:prstGeom prst="rect">
+            <a:avLst/>
+          </a:prstGeom>
+          <a:noFill/>
+          <a:extLst>
+            <a:ext uri="{909E8E84-426E-40DD-AFC4-6F175D3DCCD1}">
+              <a14:hiddenFill xmlns:a14="http://schemas.microsoft.com/office/drawing/2010/main">
+                <a:solidFill>
+                  <a:srgbClr val="FFFFFF"/>
+                </a:solidFill>
+              </a14:hiddenFill>
+            </a:ext>
+          </a:extLst>
+        </p:spPr>
+      </p:pic>
+      <p:sp>
+        <p:nvSpPr>
+          <p:cNvPr id="4" name="pole tekstowe 3"/>
+          <p:cNvSpPr txBox="1"/>
+          <p:nvPr/>
+        </p:nvSpPr>
+        <p:spPr>
+          <a:xfrm>
+            <a:off x="827584" y="673519"/>
+            <a:ext cx="2736304" cy="369332"/>
+          </a:xfrm>
+          <a:prstGeom prst="rect">
+            <a:avLst/>
+          </a:prstGeom>
+          <a:noFill/>
+        </p:spPr>
+        <p:txBody>
+          <a:bodyPr wrap="square" rtlCol="0">
+            <a:spAutoFit/>
+          </a:bodyPr>
+          <a:lstStyle/>
+          <a:p>
+            <a:r>
+              <a:rPr lang="pl-PL" b="1" dirty="0" smtClean="0">
+                <a:solidFill>
+                  <a:srgbClr val="E62D08"/>
+                </a:solidFill>
+                <a:latin typeface="Verdana" panose="020B0604030504040204" pitchFamily="34" charset="0"/>
+                <a:ea typeface="Verdana" panose="020B0604030504040204" pitchFamily="34" charset="0"/>
+              </a:rPr>
+              <a:t>Kurs Git po Polsku!</a:t>
+            </a:r>
+            <a:endParaRPr lang="en-US" b="1" dirty="0">
+              <a:solidFill>
+                <a:srgbClr val="E62D08"/>
+              </a:solidFill>
+              <a:latin typeface="Verdana" panose="020B0604030504040204" pitchFamily="34" charset="0"/>
+              <a:ea typeface="Verdana" panose="020B0604030504040204" pitchFamily="34" charset="0"/>
+            </a:endParaRPr>
+          </a:p>
+        </p:txBody>
+      </p:sp>
+    </p:spTree>
+    <p:extLst>
+      <p:ext uri="{BB962C8B-B14F-4D97-AF65-F5344CB8AC3E}">
+        <p14:creationId xmlns:p14="http://schemas.microsoft.com/office/powerpoint/2010/main" val="1645520405"/>
       </p:ext>
     </p:extLst>
   </p:cSld>

--- a/00. Git - tutorial - Zasoby sieciowe (sznurki).pptx
+++ b/00. Git - tutorial - Zasoby sieciowe (sznurki).pptx
@@ -5,13 +5,14 @@
     <p:sldMasterId id="2147483648" r:id="rId1"/>
   </p:sldMasterIdLst>
   <p:notesMasterIdLst>
-    <p:notesMasterId r:id="rId6"/>
+    <p:notesMasterId r:id="rId7"/>
   </p:notesMasterIdLst>
   <p:sldIdLst>
     <p:sldId id="310" r:id="rId2"/>
     <p:sldId id="309" r:id="rId3"/>
     <p:sldId id="311" r:id="rId4"/>
     <p:sldId id="312" r:id="rId5"/>
+    <p:sldId id="313" r:id="rId6"/>
   </p:sldIdLst>
   <p:sldSz cx="9144000" cy="5143500" type="screen16x9"/>
   <p:notesSz cx="6858000" cy="9144000"/>
@@ -112,7 +113,7 @@
   </p:defaultTextStyle>
   <p:extLst>
     <p:ext uri="{EFAFB233-063F-42B5-8137-9DF3F51BA10A}">
-      <p15:sldGuideLst xmlns:p15="http://schemas.microsoft.com/office/powerpoint/2012/main" xmlns="">
+      <p15:sldGuideLst xmlns:p15="http://schemas.microsoft.com/office/powerpoint/2012/main">
         <p15:guide id="1" orient="horz" pos="1620">
           <p15:clr>
             <a:srgbClr val="A4A3A4"/>
@@ -3616,13 +3617,13 @@
         </p:nvSpPr>
         <p:spPr>
           <a:xfrm>
-            <a:off x="457200" y="2427734"/>
+            <a:off x="457200" y="1203598"/>
             <a:ext cx="8229600" cy="2166888"/>
           </a:xfrm>
         </p:spPr>
         <p:txBody>
           <a:bodyPr>
-            <a:normAutofit/>
+            <a:normAutofit fontScale="92500" lnSpcReduction="10000"/>
           </a:bodyPr>
           <a:lstStyle/>
           <a:p>
@@ -3656,6 +3657,12 @@
               </a:rPr>
               <a:t> </a:t>
             </a:r>
+            <a:r>
+              <a:rPr lang="pl-PL" sz="1600" dirty="0" smtClean="0">
+                <a:latin typeface="+mj-lt"/>
+              </a:rPr>
+              <a:t>- strona domowa git</a:t>
+            </a:r>
             <a:endParaRPr lang="pl-PL" sz="1600" dirty="0" smtClean="0">
               <a:latin typeface="+mj-lt"/>
             </a:endParaRPr>
@@ -3676,6 +3683,14 @@
               </a:rPr>
               <a:t>/</a:t>
             </a:r>
+            <a:r>
+              <a:rPr lang="pl-PL" sz="1600" dirty="0"/>
+              <a:t> - strona domowa </a:t>
+            </a:r>
+            <a:r>
+              <a:rPr lang="pl-PL" sz="1600" dirty="0" smtClean="0"/>
+              <a:t>GitLab</a:t>
+            </a:r>
             <a:endParaRPr lang="pl-PL" sz="1600" dirty="0" smtClean="0"/>
           </a:p>
           <a:p>
@@ -3694,6 +3709,14 @@
               </a:rPr>
               <a:t>github.com</a:t>
             </a:r>
+            <a:r>
+              <a:rPr lang="pl-PL" sz="1600" dirty="0"/>
+              <a:t> - strona domowa </a:t>
+            </a:r>
+            <a:r>
+              <a:rPr lang="pl-PL" sz="1600" dirty="0" smtClean="0"/>
+              <a:t>GitHub</a:t>
+            </a:r>
             <a:endParaRPr lang="pl-PL" sz="1600" dirty="0" smtClean="0"/>
           </a:p>
           <a:p>
@@ -3718,6 +3741,73 @@
               </a:rPr>
               <a:t>git-scm.com/downloads/guis</a:t>
             </a:r>
+            <a:r>
+              <a:rPr lang="pl-PL" sz="1600" dirty="0" smtClean="0"/>
+              <a:t> - Gui for Git</a:t>
+            </a:r>
+          </a:p>
+          <a:p>
+            <a:pPr marL="0" indent="0">
+              <a:buNone/>
+            </a:pPr>
+            <a:endParaRPr lang="pl-PL" sz="1600" b="1" dirty="0" smtClean="0">
+              <a:solidFill>
+                <a:srgbClr val="FF0000"/>
+              </a:solidFill>
+            </a:endParaRPr>
+          </a:p>
+          <a:p>
+            <a:pPr marL="0" indent="0">
+              <a:buNone/>
+            </a:pPr>
+            <a:r>
+              <a:rPr lang="pl-PL" sz="1600" b="1" dirty="0" smtClean="0">
+                <a:solidFill>
+                  <a:srgbClr val="FF0000"/>
+                </a:solidFill>
+              </a:rPr>
+              <a:t>Git </a:t>
+            </a:r>
+            <a:r>
+              <a:rPr lang="pl-PL" sz="1600" b="1" dirty="0">
+                <a:solidFill>
+                  <a:srgbClr val="FF0000"/>
+                </a:solidFill>
+              </a:rPr>
+              <a:t>+ GitLab od zera </a:t>
+            </a:r>
+            <a:r>
+              <a:rPr lang="pl-PL" sz="1600" b="1" dirty="0" smtClean="0">
+                <a:solidFill>
+                  <a:srgbClr val="FF0000"/>
+                </a:solidFill>
+              </a:rPr>
+              <a:t>!!!!!!!</a:t>
+            </a:r>
+            <a:endParaRPr lang="pl-PL" sz="1600" dirty="0"/>
+          </a:p>
+          <a:p>
+            <a:pPr marL="0" indent="0">
+              <a:buNone/>
+            </a:pPr>
+            <a:r>
+              <a:rPr lang="pl-PL" sz="1600" dirty="0">
+                <a:hlinkClick r:id="rId6"/>
+              </a:rPr>
+              <a:t>https://</a:t>
+            </a:r>
+            <a:r>
+              <a:rPr lang="pl-PL" sz="1600" dirty="0" smtClean="0">
+                <a:hlinkClick r:id="rId6"/>
+              </a:rPr>
+              <a:t>www.youtube.com/watch?v=b_u5JlLcOgs</a:t>
+            </a:r>
+            <a:endParaRPr lang="pl-PL" sz="1600" dirty="0"/>
+          </a:p>
+          <a:p>
+            <a:pPr marL="0" indent="0">
+              <a:buNone/>
+            </a:pPr>
             <a:endParaRPr lang="pl-PL" sz="1600" dirty="0" smtClean="0"/>
           </a:p>
           <a:p>
@@ -3761,7 +3851,7 @@
           <p:nvPr/>
         </p:nvPicPr>
         <p:blipFill>
-          <a:blip r:embed="rId6" cstate="print">
+          <a:blip r:embed="rId7" cstate="print">
             <a:extLst>
               <a:ext uri="{28A0092B-C50C-407E-A947-70E740481C1C}">
                 <a14:useLocalDpi xmlns:a14="http://schemas.microsoft.com/office/drawing/2010/main" val="0"/>
@@ -3787,6 +3877,58 @@
           <a:extLst/>
         </p:spPr>
       </p:pic>
+      <p:sp>
+        <p:nvSpPr>
+          <p:cNvPr id="4" name="pole tekstowe 3"/>
+          <p:cNvSpPr txBox="1"/>
+          <p:nvPr/>
+        </p:nvSpPr>
+        <p:spPr>
+          <a:xfrm>
+            <a:off x="827584" y="673519"/>
+            <a:ext cx="3168352" cy="369332"/>
+          </a:xfrm>
+          <a:prstGeom prst="rect">
+            <a:avLst/>
+          </a:prstGeom>
+          <a:noFill/>
+        </p:spPr>
+        <p:txBody>
+          <a:bodyPr wrap="square" rtlCol="0">
+            <a:spAutoFit/>
+          </a:bodyPr>
+          <a:lstStyle/>
+          <a:p>
+            <a:r>
+              <a:rPr lang="pl-PL" b="1" dirty="0" smtClean="0">
+                <a:solidFill>
+                  <a:srgbClr val="E62D08"/>
+                </a:solidFill>
+                <a:latin typeface="Verdana" panose="020B0604030504040204" pitchFamily="34" charset="0"/>
+                <a:ea typeface="Verdana" panose="020B0604030504040204" pitchFamily="34" charset="0"/>
+              </a:rPr>
+              <a:t>Git </a:t>
+            </a:r>
+            <a:r>
+              <a:rPr lang="pl-PL" b="1" dirty="0" err="1" smtClean="0">
+                <a:solidFill>
+                  <a:srgbClr val="E62D08"/>
+                </a:solidFill>
+                <a:latin typeface="Verdana" panose="020B0604030504040204" pitchFamily="34" charset="0"/>
+                <a:ea typeface="Verdana" panose="020B0604030504040204" pitchFamily="34" charset="0"/>
+              </a:rPr>
+              <a:t>home</a:t>
+            </a:r>
+            <a:endParaRPr lang="en-US" b="1" dirty="0">
+              <a:solidFill>
+                <a:srgbClr val="E62D08"/>
+              </a:solidFill>
+              <a:latin typeface="Verdana" panose="020B0604030504040204" pitchFamily="34" charset="0"/>
+              <a:ea typeface="Verdana" panose="020B0604030504040204" pitchFamily="34" charset="0"/>
+            </a:endParaRPr>
+          </a:p>
+        </p:txBody>
+      </p:sp>
     </p:spTree>
     <p:extLst>
       <p:ext uri="{BB962C8B-B14F-4D97-AF65-F5344CB8AC3E}">
@@ -3836,7 +3978,7 @@
         </p:nvSpPr>
         <p:spPr>
           <a:xfrm>
-            <a:off x="457200" y="2427734"/>
+            <a:off x="457200" y="1203598"/>
             <a:ext cx="8229600" cy="2166888"/>
           </a:xfrm>
         </p:spPr>
@@ -4726,6 +4868,238 @@
     <p:extLst>
       <p:ext uri="{BB962C8B-B14F-4D97-AF65-F5344CB8AC3E}">
         <p14:creationId xmlns:p14="http://schemas.microsoft.com/office/powerpoint/2010/main" val="1645520405"/>
+      </p:ext>
+    </p:extLst>
+  </p:cSld>
+  <p:clrMapOvr>
+    <a:masterClrMapping/>
+  </p:clrMapOvr>
+  <p:timing>
+    <p:tnLst>
+      <p:par>
+        <p:cTn id="1" dur="indefinite" restart="never" nodeType="tmRoot"/>
+      </p:par>
+    </p:tnLst>
+  </p:timing>
+</p:sld>
+</file>
+
+<file path=ppt/slides/slide5.xml><?xml version="1.0" encoding="utf-8"?>
+<p:sld xmlns:a="http://schemas.openxmlformats.org/drawingml/2006/main" xmlns:r="http://schemas.openxmlformats.org/officeDocument/2006/relationships" xmlns:p="http://schemas.openxmlformats.org/presentationml/2006/main">
+  <p:cSld>
+    <p:spTree>
+      <p:nvGrpSpPr>
+        <p:cNvPr id="1" name=""/>
+        <p:cNvGrpSpPr/>
+        <p:nvPr/>
+      </p:nvGrpSpPr>
+      <p:grpSpPr>
+        <a:xfrm>
+          <a:off x="0" y="0"/>
+          <a:ext cx="0" cy="0"/>
+          <a:chOff x="0" y="0"/>
+          <a:chExt cx="0" cy="0"/>
+        </a:xfrm>
+      </p:grpSpPr>
+      <p:sp>
+        <p:nvSpPr>
+          <p:cNvPr id="3" name="Symbol zastępczy zawartości 2"/>
+          <p:cNvSpPr>
+            <a:spLocks noGrp="1"/>
+          </p:cNvSpPr>
+          <p:nvPr>
+            <p:ph idx="1"/>
+          </p:nvPr>
+        </p:nvSpPr>
+        <p:spPr>
+          <a:xfrm>
+            <a:off x="539552" y="1165262"/>
+            <a:ext cx="8229600" cy="3854760"/>
+          </a:xfrm>
+        </p:spPr>
+        <p:txBody>
+          <a:bodyPr>
+            <a:normAutofit/>
+          </a:bodyPr>
+          <a:lstStyle/>
+          <a:p>
+            <a:r>
+              <a:rPr lang="pl-PL" sz="1600" dirty="0" smtClean="0">
+                <a:latin typeface="+mj-lt"/>
+              </a:rPr>
+              <a:t>Podstawy GitLab</a:t>
+            </a:r>
+          </a:p>
+          <a:p>
+            <a:pPr marL="0" indent="0">
+              <a:buNone/>
+            </a:pPr>
+            <a:r>
+              <a:rPr lang="pl-PL" sz="1600" dirty="0">
+                <a:latin typeface="+mj-lt"/>
+                <a:hlinkClick r:id="rId2"/>
+              </a:rPr>
+              <a:t>https://</a:t>
+            </a:r>
+            <a:r>
+              <a:rPr lang="pl-PL" sz="1600" dirty="0" smtClean="0">
+                <a:latin typeface="+mj-lt"/>
+                <a:hlinkClick r:id="rId2"/>
+              </a:rPr>
+              <a:t>www.youtube.com/watch?v=SLk1fIRG9aI</a:t>
+            </a:r>
+            <a:endParaRPr lang="pl-PL" sz="1600" dirty="0" smtClean="0">
+              <a:latin typeface="+mj-lt"/>
+            </a:endParaRPr>
+          </a:p>
+          <a:p>
+            <a:r>
+              <a:rPr lang="pl-PL" sz="1600" dirty="0" smtClean="0">
+                <a:latin typeface="+mj-lt"/>
+              </a:rPr>
+              <a:t>Praktycznie o GitLab</a:t>
+            </a:r>
+          </a:p>
+          <a:p>
+            <a:pPr marL="0" indent="0">
+              <a:buNone/>
+            </a:pPr>
+            <a:r>
+              <a:rPr lang="pl-PL" sz="1600" dirty="0">
+                <a:latin typeface="+mj-lt"/>
+                <a:hlinkClick r:id="rId3"/>
+              </a:rPr>
+              <a:t>https://</a:t>
+            </a:r>
+            <a:r>
+              <a:rPr lang="pl-PL" sz="1600" dirty="0" smtClean="0">
+                <a:latin typeface="+mj-lt"/>
+                <a:hlinkClick r:id="rId3"/>
+              </a:rPr>
+              <a:t>www.youtube.com/watch?v=WFuxGnwsz6k&amp;t=40s</a:t>
+            </a:r>
+            <a:endParaRPr lang="pl-PL" sz="1600" dirty="0" smtClean="0">
+              <a:latin typeface="+mj-lt"/>
+            </a:endParaRPr>
+          </a:p>
+          <a:p>
+            <a:r>
+              <a:rPr lang="pl-PL" sz="1600" dirty="0" smtClean="0">
+                <a:latin typeface="+mj-lt"/>
+              </a:rPr>
+              <a:t>Git + GitLab od zera</a:t>
+            </a:r>
+          </a:p>
+          <a:p>
+            <a:pPr marL="0" indent="0">
+              <a:buNone/>
+            </a:pPr>
+            <a:r>
+              <a:rPr lang="pl-PL" sz="1600" dirty="0">
+                <a:latin typeface="+mj-lt"/>
+                <a:hlinkClick r:id="rId4"/>
+              </a:rPr>
+              <a:t>https://</a:t>
+            </a:r>
+            <a:r>
+              <a:rPr lang="pl-PL" sz="1600" dirty="0" smtClean="0">
+                <a:latin typeface="+mj-lt"/>
+                <a:hlinkClick r:id="rId4"/>
+              </a:rPr>
+              <a:t>www.youtube.com/watch?v=b_u5JlLcOgs</a:t>
+            </a:r>
+            <a:endParaRPr lang="pl-PL" sz="1600" dirty="0" smtClean="0">
+              <a:latin typeface="+mj-lt"/>
+            </a:endParaRPr>
+          </a:p>
+          <a:p>
+            <a:endParaRPr lang="pl-PL" sz="1600" dirty="0" smtClean="0">
+              <a:latin typeface="+mj-lt"/>
+            </a:endParaRPr>
+          </a:p>
+        </p:txBody>
+      </p:sp>
+      <p:sp>
+        <p:nvSpPr>
+          <p:cNvPr id="4" name="pole tekstowe 3"/>
+          <p:cNvSpPr txBox="1"/>
+          <p:nvPr/>
+        </p:nvSpPr>
+        <p:spPr>
+          <a:xfrm>
+            <a:off x="827584" y="673519"/>
+            <a:ext cx="2736304" cy="369332"/>
+          </a:xfrm>
+          <a:prstGeom prst="rect">
+            <a:avLst/>
+          </a:prstGeom>
+          <a:noFill/>
+        </p:spPr>
+        <p:txBody>
+          <a:bodyPr wrap="square" rtlCol="0">
+            <a:spAutoFit/>
+          </a:bodyPr>
+          <a:lstStyle/>
+          <a:p>
+            <a:r>
+              <a:rPr lang="pl-PL" b="1" dirty="0" smtClean="0">
+                <a:solidFill>
+                  <a:srgbClr val="E62D08"/>
+                </a:solidFill>
+                <a:latin typeface="Verdana" panose="020B0604030504040204" pitchFamily="34" charset="0"/>
+                <a:ea typeface="Verdana" panose="020B0604030504040204" pitchFamily="34" charset="0"/>
+              </a:rPr>
+              <a:t>Podstawy GitLab</a:t>
+            </a:r>
+            <a:endParaRPr lang="en-US" b="1" dirty="0">
+              <a:solidFill>
+                <a:srgbClr val="E62D08"/>
+              </a:solidFill>
+              <a:latin typeface="Verdana" panose="020B0604030504040204" pitchFamily="34" charset="0"/>
+              <a:ea typeface="Verdana" panose="020B0604030504040204" pitchFamily="34" charset="0"/>
+            </a:endParaRPr>
+          </a:p>
+        </p:txBody>
+      </p:sp>
+      <p:pic>
+        <p:nvPicPr>
+          <p:cNvPr id="5" name="Picture 2" descr="GitHub - marek-saji/git-przewodnik: Przewodnik po Gicie. Na chwilę obecną  dość chaotyczny."/>
+          <p:cNvPicPr>
+            <a:picLocks noChangeAspect="1" noChangeArrowheads="1"/>
+          </p:cNvPicPr>
+          <p:nvPr/>
+        </p:nvPicPr>
+        <p:blipFill>
+          <a:blip r:embed="rId5" cstate="print">
+            <a:extLst>
+              <a:ext uri="{28A0092B-C50C-407E-A947-70E740481C1C}">
+                <a14:useLocalDpi xmlns:a14="http://schemas.microsoft.com/office/drawing/2010/main" val="0"/>
+              </a:ext>
+            </a:extLst>
+          </a:blip>
+          <a:srcRect/>
+          <a:stretch>
+            <a:fillRect/>
+          </a:stretch>
+        </p:blipFill>
+        <p:spPr bwMode="auto">
+          <a:xfrm>
+            <a:off x="6876256" y="103696"/>
+            <a:ext cx="2116656" cy="883878"/>
+          </a:xfrm>
+          <a:prstGeom prst="rect">
+            <a:avLst/>
+          </a:prstGeom>
+          <a:solidFill>
+            <a:schemeClr val="bg1"/>
+          </a:solidFill>
+          <a:extLst/>
+        </p:spPr>
+      </p:pic>
+    </p:spTree>
+    <p:extLst>
+      <p:ext uri="{BB962C8B-B14F-4D97-AF65-F5344CB8AC3E}">
+        <p14:creationId xmlns:p14="http://schemas.microsoft.com/office/powerpoint/2010/main" val="2462270887"/>
       </p:ext>
     </p:extLst>
   </p:cSld>

--- a/00. Git - tutorial - Zasoby sieciowe (sznurki).pptx
+++ b/00. Git - tutorial - Zasoby sieciowe (sznurki).pptx
@@ -5,7 +5,7 @@
     <p:sldMasterId id="2147483648" r:id="rId1"/>
   </p:sldMasterIdLst>
   <p:notesMasterIdLst>
-    <p:notesMasterId r:id="rId7"/>
+    <p:notesMasterId r:id="rId9"/>
   </p:notesMasterIdLst>
   <p:sldIdLst>
     <p:sldId id="310" r:id="rId2"/>
@@ -13,6 +13,8 @@
     <p:sldId id="311" r:id="rId4"/>
     <p:sldId id="312" r:id="rId5"/>
     <p:sldId id="313" r:id="rId6"/>
+    <p:sldId id="315" r:id="rId7"/>
+    <p:sldId id="314" r:id="rId8"/>
   </p:sldIdLst>
   <p:sldSz cx="9144000" cy="5143500" type="screen16x9"/>
   <p:notesSz cx="6858000" cy="9144000"/>
@@ -212,7 +214,7 @@
           <a:p>
             <a:fld id="{F4CC630C-9AF6-49E5-9919-D038F5C57BFC}" type="datetimeFigureOut">
               <a:rPr lang="en-US" smtClean="0"/>
-              <a:t>4/27/2021</a:t>
+              <a:t>4/28/2021</a:t>
             </a:fld>
             <a:endParaRPr lang="en-US"/>
           </a:p>
@@ -661,7 +663,7 @@
           <a:p>
             <a:fld id="{F19922E3-32CA-40BB-949D-A04DA951D7AE}" type="datetimeFigureOut">
               <a:rPr lang="en-US" smtClean="0"/>
-              <a:t>4/27/2021</a:t>
+              <a:t>4/28/2021</a:t>
             </a:fld>
             <a:endParaRPr lang="en-US"/>
           </a:p>
@@ -831,7 +833,7 @@
           <a:p>
             <a:fld id="{F19922E3-32CA-40BB-949D-A04DA951D7AE}" type="datetimeFigureOut">
               <a:rPr lang="en-US" smtClean="0"/>
-              <a:t>4/27/2021</a:t>
+              <a:t>4/28/2021</a:t>
             </a:fld>
             <a:endParaRPr lang="en-US"/>
           </a:p>
@@ -1011,7 +1013,7 @@
           <a:p>
             <a:fld id="{F19922E3-32CA-40BB-949D-A04DA951D7AE}" type="datetimeFigureOut">
               <a:rPr lang="en-US" smtClean="0"/>
-              <a:t>4/27/2021</a:t>
+              <a:t>4/28/2021</a:t>
             </a:fld>
             <a:endParaRPr lang="en-US"/>
           </a:p>
@@ -1181,7 +1183,7 @@
           <a:p>
             <a:fld id="{F19922E3-32CA-40BB-949D-A04DA951D7AE}" type="datetimeFigureOut">
               <a:rPr lang="en-US" smtClean="0"/>
-              <a:t>4/27/2021</a:t>
+              <a:t>4/28/2021</a:t>
             </a:fld>
             <a:endParaRPr lang="en-US"/>
           </a:p>
@@ -1427,7 +1429,7 @@
           <a:p>
             <a:fld id="{F19922E3-32CA-40BB-949D-A04DA951D7AE}" type="datetimeFigureOut">
               <a:rPr lang="en-US" smtClean="0"/>
-              <a:t>4/27/2021</a:t>
+              <a:t>4/28/2021</a:t>
             </a:fld>
             <a:endParaRPr lang="en-US"/>
           </a:p>
@@ -1715,7 +1717,7 @@
           <a:p>
             <a:fld id="{F19922E3-32CA-40BB-949D-A04DA951D7AE}" type="datetimeFigureOut">
               <a:rPr lang="en-US" smtClean="0"/>
-              <a:t>4/27/2021</a:t>
+              <a:t>4/28/2021</a:t>
             </a:fld>
             <a:endParaRPr lang="en-US"/>
           </a:p>
@@ -2142,7 +2144,7 @@
           <a:p>
             <a:fld id="{F19922E3-32CA-40BB-949D-A04DA951D7AE}" type="datetimeFigureOut">
               <a:rPr lang="en-US" smtClean="0"/>
-              <a:t>4/27/2021</a:t>
+              <a:t>4/28/2021</a:t>
             </a:fld>
             <a:endParaRPr lang="en-US"/>
           </a:p>
@@ -2260,7 +2262,7 @@
           <a:p>
             <a:fld id="{F19922E3-32CA-40BB-949D-A04DA951D7AE}" type="datetimeFigureOut">
               <a:rPr lang="en-US" smtClean="0"/>
-              <a:t>4/27/2021</a:t>
+              <a:t>4/28/2021</a:t>
             </a:fld>
             <a:endParaRPr lang="en-US"/>
           </a:p>
@@ -2355,7 +2357,7 @@
           <a:p>
             <a:fld id="{F19922E3-32CA-40BB-949D-A04DA951D7AE}" type="datetimeFigureOut">
               <a:rPr lang="en-US" smtClean="0"/>
-              <a:t>4/27/2021</a:t>
+              <a:t>4/28/2021</a:t>
             </a:fld>
             <a:endParaRPr lang="en-US"/>
           </a:p>
@@ -2632,7 +2634,7 @@
           <a:p>
             <a:fld id="{F19922E3-32CA-40BB-949D-A04DA951D7AE}" type="datetimeFigureOut">
               <a:rPr lang="en-US" smtClean="0"/>
-              <a:t>4/27/2021</a:t>
+              <a:t>4/28/2021</a:t>
             </a:fld>
             <a:endParaRPr lang="en-US"/>
           </a:p>
@@ -2885,7 +2887,7 @@
           <a:p>
             <a:fld id="{F19922E3-32CA-40BB-949D-A04DA951D7AE}" type="datetimeFigureOut">
               <a:rPr lang="en-US" smtClean="0"/>
-              <a:t>4/27/2021</a:t>
+              <a:t>4/28/2021</a:t>
             </a:fld>
             <a:endParaRPr lang="en-US"/>
           </a:p>
@@ -3107,7 +3109,7 @@
           <a:p>
             <a:fld id="{F19922E3-32CA-40BB-949D-A04DA951D7AE}" type="datetimeFigureOut">
               <a:rPr lang="en-US" smtClean="0"/>
-              <a:t>4/27/2021</a:t>
+              <a:t>4/28/2021</a:t>
             </a:fld>
             <a:endParaRPr lang="en-US"/>
           </a:p>
@@ -3655,17 +3657,8 @@
               <a:rPr lang="pl-PL" sz="1600" dirty="0" smtClean="0">
                 <a:latin typeface="+mj-lt"/>
               </a:rPr>
-              <a:t> </a:t>
-            </a:r>
-            <a:r>
-              <a:rPr lang="pl-PL" sz="1600" dirty="0" smtClean="0">
-                <a:latin typeface="+mj-lt"/>
-              </a:rPr>
-              <a:t>- strona domowa git</a:t>
-            </a:r>
-            <a:endParaRPr lang="pl-PL" sz="1600" dirty="0" smtClean="0">
-              <a:latin typeface="+mj-lt"/>
-            </a:endParaRPr>
+              <a:t> - strona domowa git</a:t>
+            </a:r>
           </a:p>
           <a:p>
             <a:pPr marL="0" indent="0">
@@ -3691,7 +3684,6 @@
               <a:rPr lang="pl-PL" sz="1600" dirty="0" smtClean="0"/>
               <a:t>GitLab</a:t>
             </a:r>
-            <a:endParaRPr lang="pl-PL" sz="1600" dirty="0" smtClean="0"/>
           </a:p>
           <a:p>
             <a:pPr marL="0" indent="0">
@@ -3717,7 +3709,6 @@
               <a:rPr lang="pl-PL" sz="1600" dirty="0" smtClean="0"/>
               <a:t>GitHub</a:t>
             </a:r>
-            <a:endParaRPr lang="pl-PL" sz="1600" dirty="0" smtClean="0"/>
           </a:p>
           <a:p>
             <a:pPr marL="0" indent="0">
@@ -5100,6 +5091,646 @@
     <p:extLst>
       <p:ext uri="{BB962C8B-B14F-4D97-AF65-F5344CB8AC3E}">
         <p14:creationId xmlns:p14="http://schemas.microsoft.com/office/powerpoint/2010/main" val="2462270887"/>
+      </p:ext>
+    </p:extLst>
+  </p:cSld>
+  <p:clrMapOvr>
+    <a:masterClrMapping/>
+  </p:clrMapOvr>
+  <p:timing>
+    <p:tnLst>
+      <p:par>
+        <p:cTn id="1" dur="indefinite" restart="never" nodeType="tmRoot"/>
+      </p:par>
+    </p:tnLst>
+  </p:timing>
+</p:sld>
+</file>
+
+<file path=ppt/slides/slide6.xml><?xml version="1.0" encoding="utf-8"?>
+<p:sld xmlns:a="http://schemas.openxmlformats.org/drawingml/2006/main" xmlns:r="http://schemas.openxmlformats.org/officeDocument/2006/relationships" xmlns:p="http://schemas.openxmlformats.org/presentationml/2006/main">
+  <p:cSld>
+    <p:spTree>
+      <p:nvGrpSpPr>
+        <p:cNvPr id="1" name=""/>
+        <p:cNvGrpSpPr/>
+        <p:nvPr/>
+      </p:nvGrpSpPr>
+      <p:grpSpPr>
+        <a:xfrm>
+          <a:off x="0" y="0"/>
+          <a:ext cx="0" cy="0"/>
+          <a:chOff x="0" y="0"/>
+          <a:chExt cx="0" cy="0"/>
+        </a:xfrm>
+      </p:grpSpPr>
+      <p:sp>
+        <p:nvSpPr>
+          <p:cNvPr id="3" name="Symbol zastępczy zawartości 2"/>
+          <p:cNvSpPr>
+            <a:spLocks noGrp="1"/>
+          </p:cNvSpPr>
+          <p:nvPr>
+            <p:ph idx="1"/>
+          </p:nvPr>
+        </p:nvSpPr>
+        <p:spPr>
+          <a:xfrm>
+            <a:off x="539552" y="1165262"/>
+            <a:ext cx="8229600" cy="3854760"/>
+          </a:xfrm>
+        </p:spPr>
+        <p:txBody>
+          <a:bodyPr>
+            <a:normAutofit/>
+          </a:bodyPr>
+          <a:lstStyle/>
+          <a:p>
+            <a:r>
+              <a:rPr lang="pl-PL" sz="1600" dirty="0"/>
+              <a:t>GitLab </a:t>
+            </a:r>
+            <a:r>
+              <a:rPr lang="pl-PL" sz="1600" dirty="0" err="1"/>
+              <a:t>issue</a:t>
+            </a:r>
+            <a:r>
+              <a:rPr lang="pl-PL" sz="1600" dirty="0"/>
+              <a:t> </a:t>
+            </a:r>
+            <a:r>
+              <a:rPr lang="pl-PL" sz="1600" dirty="0" err="1"/>
+              <a:t>boards</a:t>
+            </a:r>
+            <a:r>
+              <a:rPr lang="pl-PL" sz="1600" dirty="0"/>
+              <a:t> demo</a:t>
+            </a:r>
+          </a:p>
+          <a:p>
+            <a:pPr marL="0" indent="0">
+              <a:buNone/>
+            </a:pPr>
+            <a:r>
+              <a:rPr lang="pl-PL" sz="1600" dirty="0">
+                <a:hlinkClick r:id="rId2"/>
+              </a:rPr>
+              <a:t>https://</a:t>
+            </a:r>
+            <a:r>
+              <a:rPr lang="pl-PL" sz="1600" dirty="0" smtClean="0">
+                <a:hlinkClick r:id="rId2"/>
+              </a:rPr>
+              <a:t>www.youtube.com/watch?v=CiolDtBIOA0</a:t>
+            </a:r>
+            <a:endParaRPr lang="pl-PL" sz="1600" dirty="0" smtClean="0"/>
+          </a:p>
+          <a:p>
+            <a:r>
+              <a:rPr lang="en-US" sz="1600" dirty="0"/>
+              <a:t>Announcing the GitLab Issue Board</a:t>
+            </a:r>
+          </a:p>
+          <a:p>
+            <a:pPr marL="0" indent="0">
+              <a:buNone/>
+            </a:pPr>
+            <a:r>
+              <a:rPr lang="pl-PL" sz="1600" dirty="0">
+                <a:latin typeface="+mj-lt"/>
+                <a:hlinkClick r:id="rId3"/>
+              </a:rPr>
+              <a:t>https://</a:t>
+            </a:r>
+            <a:r>
+              <a:rPr lang="pl-PL" sz="1600" dirty="0" smtClean="0">
+                <a:latin typeface="+mj-lt"/>
+                <a:hlinkClick r:id="rId3"/>
+              </a:rPr>
+              <a:t>www.youtube.com/watch?v=UWsJ8tkHAa8&amp;t=2s</a:t>
+            </a:r>
+            <a:endParaRPr lang="pl-PL" sz="1600" dirty="0" smtClean="0">
+              <a:latin typeface="+mj-lt"/>
+            </a:endParaRPr>
+          </a:p>
+          <a:p>
+            <a:r>
+              <a:rPr lang="en-US" sz="1600" dirty="0"/>
+              <a:t>Introducing the GitLab Issue </a:t>
+            </a:r>
+            <a:r>
+              <a:rPr lang="en-US" sz="1600" dirty="0"/>
+              <a:t>Board</a:t>
+            </a:r>
+            <a:endParaRPr lang="pl-PL" sz="1600" dirty="0"/>
+          </a:p>
+          <a:p>
+            <a:pPr marL="0" indent="0">
+              <a:buNone/>
+            </a:pPr>
+            <a:r>
+              <a:rPr lang="pl-PL" sz="1600" dirty="0">
+                <a:latin typeface="+mj-lt"/>
+                <a:hlinkClick r:id="rId4"/>
+              </a:rPr>
+              <a:t>https://about.gitlab.com/stages-devops-lifecycle/issueboard</a:t>
+            </a:r>
+            <a:r>
+              <a:rPr lang="pl-PL" sz="1600" dirty="0" smtClean="0">
+                <a:latin typeface="+mj-lt"/>
+                <a:hlinkClick r:id="rId4"/>
+              </a:rPr>
+              <a:t>/</a:t>
+            </a:r>
+            <a:endParaRPr lang="pl-PL" sz="1600" dirty="0" smtClean="0">
+              <a:latin typeface="+mj-lt"/>
+            </a:endParaRPr>
+          </a:p>
+          <a:p>
+            <a:r>
+              <a:rPr lang="en-US" sz="1600" dirty="0" smtClean="0">
+                <a:latin typeface="+mj-lt"/>
+              </a:rPr>
+              <a:t>4 </a:t>
+            </a:r>
+            <a:r>
+              <a:rPr lang="en-US" sz="1600" dirty="0">
+                <a:latin typeface="+mj-lt"/>
+              </a:rPr>
+              <a:t>ways to use GitLab Issue </a:t>
+            </a:r>
+            <a:r>
+              <a:rPr lang="en-US" sz="1600" dirty="0" smtClean="0">
+                <a:latin typeface="+mj-lt"/>
+              </a:rPr>
+              <a:t>Boards</a:t>
+            </a:r>
+            <a:endParaRPr lang="pl-PL" sz="1600" dirty="0" smtClean="0">
+              <a:latin typeface="+mj-lt"/>
+            </a:endParaRPr>
+          </a:p>
+          <a:p>
+            <a:pPr marL="0" indent="0">
+              <a:buNone/>
+            </a:pPr>
+            <a:r>
+              <a:rPr lang="pl-PL" sz="1600" dirty="0">
+                <a:latin typeface="+mj-lt"/>
+                <a:hlinkClick r:id="rId5"/>
+              </a:rPr>
+              <a:t>https://about.gitlab.com/blog/2018/08/02/4-ways-to-use-gitlab-issue-boards</a:t>
+            </a:r>
+            <a:r>
+              <a:rPr lang="pl-PL" sz="1600" dirty="0" smtClean="0">
+                <a:latin typeface="+mj-lt"/>
+                <a:hlinkClick r:id="rId5"/>
+              </a:rPr>
+              <a:t>/</a:t>
+            </a:r>
+            <a:endParaRPr lang="pl-PL" sz="1600" dirty="0" smtClean="0">
+              <a:latin typeface="+mj-lt"/>
+            </a:endParaRPr>
+          </a:p>
+          <a:p>
+            <a:r>
+              <a:rPr lang="en-US" sz="1600" dirty="0">
+                <a:latin typeface="+mj-lt"/>
+              </a:rPr>
+              <a:t>Use </a:t>
+            </a:r>
+            <a:r>
+              <a:rPr lang="en-US" sz="1600" dirty="0" smtClean="0">
+                <a:latin typeface="+mj-lt"/>
+              </a:rPr>
+              <a:t>scoped </a:t>
+            </a:r>
+            <a:r>
+              <a:rPr lang="en-US" sz="1600" dirty="0">
+                <a:latin typeface="+mj-lt"/>
+              </a:rPr>
+              <a:t>labels in GitLab 11.10 for custom fields and custom </a:t>
+            </a:r>
+            <a:r>
+              <a:rPr lang="en-US" sz="1600" dirty="0" smtClean="0">
+                <a:latin typeface="+mj-lt"/>
+              </a:rPr>
+              <a:t>workflows</a:t>
+            </a:r>
+            <a:endParaRPr lang="pl-PL" sz="1600" dirty="0" smtClean="0">
+              <a:latin typeface="+mj-lt"/>
+            </a:endParaRPr>
+          </a:p>
+          <a:p>
+            <a:pPr marL="0" indent="0">
+              <a:buNone/>
+            </a:pPr>
+            <a:r>
+              <a:rPr lang="pl-PL" sz="1600" dirty="0">
+                <a:latin typeface="+mj-lt"/>
+                <a:hlinkClick r:id="rId6"/>
+              </a:rPr>
+              <a:t>https://</a:t>
+            </a:r>
+            <a:r>
+              <a:rPr lang="pl-PL" sz="1600" dirty="0" smtClean="0">
+                <a:latin typeface="+mj-lt"/>
+                <a:hlinkClick r:id="rId6"/>
+              </a:rPr>
+              <a:t>www.youtube.com/watch?v=4BCBby6du3c&amp;t=44s</a:t>
+            </a:r>
+            <a:endParaRPr lang="pl-PL" sz="1600" dirty="0" smtClean="0">
+              <a:latin typeface="+mj-lt"/>
+            </a:endParaRPr>
+          </a:p>
+          <a:p>
+            <a:r>
+              <a:rPr lang="pl-PL" sz="1600" dirty="0" smtClean="0">
+                <a:latin typeface="+mj-lt"/>
+              </a:rPr>
+              <a:t>GitLab channel (</a:t>
+            </a:r>
+            <a:r>
+              <a:rPr lang="pl-PL" sz="1600" dirty="0" err="1" smtClean="0">
+                <a:latin typeface="+mj-lt"/>
+              </a:rPr>
+              <a:t>labels</a:t>
+            </a:r>
+            <a:r>
+              <a:rPr lang="pl-PL" sz="1600" dirty="0" smtClean="0">
+                <a:latin typeface="+mj-lt"/>
+              </a:rPr>
+              <a:t>)</a:t>
+            </a:r>
+          </a:p>
+          <a:p>
+            <a:pPr marL="0" indent="0">
+              <a:buNone/>
+            </a:pPr>
+            <a:r>
+              <a:rPr lang="pl-PL" sz="1600" dirty="0">
+                <a:latin typeface="+mj-lt"/>
+                <a:hlinkClick r:id="rId7"/>
+              </a:rPr>
+              <a:t>https://</a:t>
+            </a:r>
+            <a:r>
+              <a:rPr lang="pl-PL" sz="1600" dirty="0" smtClean="0">
+                <a:latin typeface="+mj-lt"/>
+                <a:hlinkClick r:id="rId7"/>
+              </a:rPr>
+              <a:t>www.youtube.com/channel/UCnMGQ8QHMAnVIsI3xJrihhg/search?query=labels</a:t>
+            </a:r>
+            <a:endParaRPr lang="pl-PL" sz="1600" dirty="0" smtClean="0">
+              <a:latin typeface="+mj-lt"/>
+            </a:endParaRPr>
+          </a:p>
+          <a:p>
+            <a:pPr marL="0" indent="0">
+              <a:buNone/>
+            </a:pPr>
+            <a:endParaRPr lang="pl-PL" sz="1600" dirty="0" smtClean="0">
+              <a:latin typeface="+mj-lt"/>
+            </a:endParaRPr>
+          </a:p>
+        </p:txBody>
+      </p:sp>
+      <p:sp>
+        <p:nvSpPr>
+          <p:cNvPr id="4" name="pole tekstowe 3"/>
+          <p:cNvSpPr txBox="1"/>
+          <p:nvPr/>
+        </p:nvSpPr>
+        <p:spPr>
+          <a:xfrm>
+            <a:off x="827584" y="673519"/>
+            <a:ext cx="2736304" cy="369332"/>
+          </a:xfrm>
+          <a:prstGeom prst="rect">
+            <a:avLst/>
+          </a:prstGeom>
+          <a:noFill/>
+        </p:spPr>
+        <p:txBody>
+          <a:bodyPr wrap="square" rtlCol="0">
+            <a:spAutoFit/>
+          </a:bodyPr>
+          <a:lstStyle/>
+          <a:p>
+            <a:r>
+              <a:rPr lang="pl-PL" b="1" dirty="0" smtClean="0">
+                <a:solidFill>
+                  <a:srgbClr val="E62D08"/>
+                </a:solidFill>
+                <a:latin typeface="Verdana" panose="020B0604030504040204" pitchFamily="34" charset="0"/>
+                <a:ea typeface="Verdana" panose="020B0604030504040204" pitchFamily="34" charset="0"/>
+              </a:rPr>
+              <a:t>GitLab </a:t>
+            </a:r>
+            <a:r>
+              <a:rPr lang="pl-PL" b="1" dirty="0" err="1" smtClean="0">
+                <a:solidFill>
+                  <a:srgbClr val="E62D08"/>
+                </a:solidFill>
+                <a:latin typeface="Verdana" panose="020B0604030504040204" pitchFamily="34" charset="0"/>
+                <a:ea typeface="Verdana" panose="020B0604030504040204" pitchFamily="34" charset="0"/>
+              </a:rPr>
+              <a:t>Issue</a:t>
+            </a:r>
+            <a:r>
+              <a:rPr lang="pl-PL" b="1" dirty="0" smtClean="0">
+                <a:solidFill>
+                  <a:srgbClr val="E62D08"/>
+                </a:solidFill>
+                <a:latin typeface="Verdana" panose="020B0604030504040204" pitchFamily="34" charset="0"/>
+                <a:ea typeface="Verdana" panose="020B0604030504040204" pitchFamily="34" charset="0"/>
+              </a:rPr>
+              <a:t> </a:t>
+            </a:r>
+            <a:r>
+              <a:rPr lang="pl-PL" b="1" dirty="0">
+                <a:solidFill>
+                  <a:srgbClr val="E62D08"/>
+                </a:solidFill>
+                <a:latin typeface="Verdana" panose="020B0604030504040204" pitchFamily="34" charset="0"/>
+                <a:ea typeface="Verdana" panose="020B0604030504040204" pitchFamily="34" charset="0"/>
+              </a:rPr>
+              <a:t>B</a:t>
+            </a:r>
+            <a:r>
+              <a:rPr lang="pl-PL" b="1" dirty="0" smtClean="0">
+                <a:solidFill>
+                  <a:srgbClr val="E62D08"/>
+                </a:solidFill>
+                <a:latin typeface="Verdana" panose="020B0604030504040204" pitchFamily="34" charset="0"/>
+                <a:ea typeface="Verdana" panose="020B0604030504040204" pitchFamily="34" charset="0"/>
+              </a:rPr>
+              <a:t>oard</a:t>
+            </a:r>
+            <a:endParaRPr lang="en-US" b="1" dirty="0">
+              <a:solidFill>
+                <a:srgbClr val="E62D08"/>
+              </a:solidFill>
+              <a:latin typeface="Verdana" panose="020B0604030504040204" pitchFamily="34" charset="0"/>
+              <a:ea typeface="Verdana" panose="020B0604030504040204" pitchFamily="34" charset="0"/>
+            </a:endParaRPr>
+          </a:p>
+        </p:txBody>
+      </p:sp>
+      <p:pic>
+        <p:nvPicPr>
+          <p:cNvPr id="5" name="Picture 2" descr="GitHub - marek-saji/git-przewodnik: Przewodnik po Gicie. Na chwilę obecną  dość chaotyczny."/>
+          <p:cNvPicPr>
+            <a:picLocks noChangeAspect="1" noChangeArrowheads="1"/>
+          </p:cNvPicPr>
+          <p:nvPr/>
+        </p:nvPicPr>
+        <p:blipFill>
+          <a:blip r:embed="rId8" cstate="print">
+            <a:extLst>
+              <a:ext uri="{28A0092B-C50C-407E-A947-70E740481C1C}">
+                <a14:useLocalDpi xmlns:a14="http://schemas.microsoft.com/office/drawing/2010/main" val="0"/>
+              </a:ext>
+            </a:extLst>
+          </a:blip>
+          <a:srcRect/>
+          <a:stretch>
+            <a:fillRect/>
+          </a:stretch>
+        </p:blipFill>
+        <p:spPr bwMode="auto">
+          <a:xfrm>
+            <a:off x="6876256" y="103696"/>
+            <a:ext cx="2116656" cy="883878"/>
+          </a:xfrm>
+          <a:prstGeom prst="rect">
+            <a:avLst/>
+          </a:prstGeom>
+          <a:solidFill>
+            <a:schemeClr val="bg1"/>
+          </a:solidFill>
+          <a:extLst/>
+        </p:spPr>
+      </p:pic>
+    </p:spTree>
+    <p:extLst>
+      <p:ext uri="{BB962C8B-B14F-4D97-AF65-F5344CB8AC3E}">
+        <p14:creationId xmlns:p14="http://schemas.microsoft.com/office/powerpoint/2010/main" val="1763310183"/>
+      </p:ext>
+    </p:extLst>
+  </p:cSld>
+  <p:clrMapOvr>
+    <a:masterClrMapping/>
+  </p:clrMapOvr>
+  <p:timing>
+    <p:tnLst>
+      <p:par>
+        <p:cTn id="1" dur="indefinite" restart="never" nodeType="tmRoot"/>
+      </p:par>
+    </p:tnLst>
+  </p:timing>
+</p:sld>
+</file>
+
+<file path=ppt/slides/slide7.xml><?xml version="1.0" encoding="utf-8"?>
+<p:sld xmlns:a="http://schemas.openxmlformats.org/drawingml/2006/main" xmlns:r="http://schemas.openxmlformats.org/officeDocument/2006/relationships" xmlns:p="http://schemas.openxmlformats.org/presentationml/2006/main">
+  <p:cSld>
+    <p:spTree>
+      <p:nvGrpSpPr>
+        <p:cNvPr id="1" name=""/>
+        <p:cNvGrpSpPr/>
+        <p:nvPr/>
+      </p:nvGrpSpPr>
+      <p:grpSpPr>
+        <a:xfrm>
+          <a:off x="0" y="0"/>
+          <a:ext cx="0" cy="0"/>
+          <a:chOff x="0" y="0"/>
+          <a:chExt cx="0" cy="0"/>
+        </a:xfrm>
+      </p:grpSpPr>
+      <p:sp>
+        <p:nvSpPr>
+          <p:cNvPr id="3" name="Symbol zastępczy zawartości 2"/>
+          <p:cNvSpPr>
+            <a:spLocks noGrp="1"/>
+          </p:cNvSpPr>
+          <p:nvPr>
+            <p:ph idx="1"/>
+          </p:nvPr>
+        </p:nvSpPr>
+        <p:spPr>
+          <a:xfrm>
+            <a:off x="539552" y="1165262"/>
+            <a:ext cx="8229600" cy="3854760"/>
+          </a:xfrm>
+        </p:spPr>
+        <p:txBody>
+          <a:bodyPr>
+            <a:normAutofit/>
+          </a:bodyPr>
+          <a:lstStyle/>
+          <a:p>
+            <a:r>
+              <a:rPr lang="en-US" sz="1600" dirty="0"/>
+              <a:t>GitLab Project Management: How to use Issue, Labels, and Boards</a:t>
+            </a:r>
+          </a:p>
+          <a:p>
+            <a:pPr marL="0" indent="0">
+              <a:buNone/>
+            </a:pPr>
+            <a:r>
+              <a:rPr lang="pl-PL" sz="1600" dirty="0">
+                <a:latin typeface="+mj-lt"/>
+                <a:hlinkClick r:id="rId2"/>
+              </a:rPr>
+              <a:t>https://</a:t>
+            </a:r>
+            <a:r>
+              <a:rPr lang="pl-PL" sz="1600" dirty="0" smtClean="0">
+                <a:latin typeface="+mj-lt"/>
+                <a:hlinkClick r:id="rId2"/>
+              </a:rPr>
+              <a:t>www.youtube.com/watch?v=J2u7OqBA_aQ</a:t>
+            </a:r>
+            <a:endParaRPr lang="pl-PL" sz="1600" dirty="0" smtClean="0">
+              <a:latin typeface="+mj-lt"/>
+            </a:endParaRPr>
+          </a:p>
+          <a:p>
+            <a:r>
+              <a:rPr lang="en-US" sz="1600" dirty="0"/>
+              <a:t>GitLab label hygiene - how to the Triage Bot helps manage labels</a:t>
+            </a:r>
+          </a:p>
+          <a:p>
+            <a:pPr marL="0" indent="0">
+              <a:buNone/>
+            </a:pPr>
+            <a:r>
+              <a:rPr lang="pl-PL" sz="1600" dirty="0">
+                <a:latin typeface="+mj-lt"/>
+                <a:hlinkClick r:id="rId3"/>
+              </a:rPr>
+              <a:t>https://</a:t>
+            </a:r>
+            <a:r>
+              <a:rPr lang="pl-PL" sz="1600" dirty="0" smtClean="0">
+                <a:latin typeface="+mj-lt"/>
+                <a:hlinkClick r:id="rId3"/>
+              </a:rPr>
+              <a:t>www.youtube.com/watch?v=Tp79e5sgpao</a:t>
+            </a:r>
+            <a:endParaRPr lang="pl-PL" sz="1600" dirty="0" smtClean="0">
+              <a:latin typeface="+mj-lt"/>
+            </a:endParaRPr>
+          </a:p>
+          <a:p>
+            <a:pPr marL="0" indent="0">
+              <a:buNone/>
+            </a:pPr>
+            <a:endParaRPr lang="pl-PL" sz="1600" dirty="0" smtClean="0">
+              <a:latin typeface="+mj-lt"/>
+            </a:endParaRPr>
+          </a:p>
+          <a:p>
+            <a:endParaRPr lang="pl-PL" sz="1600" dirty="0" smtClean="0">
+              <a:latin typeface="+mj-lt"/>
+            </a:endParaRPr>
+          </a:p>
+        </p:txBody>
+      </p:sp>
+      <p:sp>
+        <p:nvSpPr>
+          <p:cNvPr id="4" name="pole tekstowe 3"/>
+          <p:cNvSpPr txBox="1"/>
+          <p:nvPr/>
+        </p:nvSpPr>
+        <p:spPr>
+          <a:xfrm>
+            <a:off x="827584" y="673519"/>
+            <a:ext cx="2736304" cy="369332"/>
+          </a:xfrm>
+          <a:prstGeom prst="rect">
+            <a:avLst/>
+          </a:prstGeom>
+          <a:noFill/>
+        </p:spPr>
+        <p:txBody>
+          <a:bodyPr wrap="square" rtlCol="0">
+            <a:spAutoFit/>
+          </a:bodyPr>
+          <a:lstStyle/>
+          <a:p>
+            <a:r>
+              <a:rPr lang="pl-PL" b="1" dirty="0" smtClean="0">
+                <a:solidFill>
+                  <a:srgbClr val="E62D08"/>
+                </a:solidFill>
+                <a:latin typeface="Verdana" panose="020B0604030504040204" pitchFamily="34" charset="0"/>
+                <a:ea typeface="Verdana" panose="020B0604030504040204" pitchFamily="34" charset="0"/>
+              </a:rPr>
+              <a:t>GitLab </a:t>
+            </a:r>
+            <a:r>
+              <a:rPr lang="pl-PL" b="1" dirty="0" err="1" smtClean="0">
+                <a:solidFill>
+                  <a:srgbClr val="E62D08"/>
+                </a:solidFill>
+                <a:latin typeface="Verdana" panose="020B0604030504040204" pitchFamily="34" charset="0"/>
+                <a:ea typeface="Verdana" panose="020B0604030504040204" pitchFamily="34" charset="0"/>
+              </a:rPr>
+              <a:t>Labels</a:t>
+            </a:r>
+            <a:endParaRPr lang="en-US" b="1" dirty="0">
+              <a:solidFill>
+                <a:srgbClr val="E62D08"/>
+              </a:solidFill>
+              <a:latin typeface="Verdana" panose="020B0604030504040204" pitchFamily="34" charset="0"/>
+              <a:ea typeface="Verdana" panose="020B0604030504040204" pitchFamily="34" charset="0"/>
+            </a:endParaRPr>
+          </a:p>
+        </p:txBody>
+      </p:sp>
+      <p:pic>
+        <p:nvPicPr>
+          <p:cNvPr id="5" name="Picture 2" descr="GitHub - marek-saji/git-przewodnik: Przewodnik po Gicie. Na chwilę obecną  dość chaotyczny."/>
+          <p:cNvPicPr>
+            <a:picLocks noChangeAspect="1" noChangeArrowheads="1"/>
+          </p:cNvPicPr>
+          <p:nvPr/>
+        </p:nvPicPr>
+        <p:blipFill>
+          <a:blip r:embed="rId4" cstate="print">
+            <a:extLst>
+              <a:ext uri="{28A0092B-C50C-407E-A947-70E740481C1C}">
+                <a14:useLocalDpi xmlns:a14="http://schemas.microsoft.com/office/drawing/2010/main" val="0"/>
+              </a:ext>
+            </a:extLst>
+          </a:blip>
+          <a:srcRect/>
+          <a:stretch>
+            <a:fillRect/>
+          </a:stretch>
+        </p:blipFill>
+        <p:spPr bwMode="auto">
+          <a:xfrm>
+            <a:off x="6876256" y="103696"/>
+            <a:ext cx="2116656" cy="883878"/>
+          </a:xfrm>
+          <a:prstGeom prst="rect">
+            <a:avLst/>
+          </a:prstGeom>
+          <a:solidFill>
+            <a:schemeClr val="bg1"/>
+          </a:solidFill>
+          <a:extLst/>
+        </p:spPr>
+      </p:pic>
+    </p:spTree>
+    <p:extLst>
+      <p:ext uri="{BB962C8B-B14F-4D97-AF65-F5344CB8AC3E}">
+        <p14:creationId xmlns:p14="http://schemas.microsoft.com/office/powerpoint/2010/main" val="897151166"/>
       </p:ext>
     </p:extLst>
   </p:cSld>

--- a/00. Git - tutorial - Zasoby sieciowe (sznurki).pptx
+++ b/00. Git - tutorial - Zasoby sieciowe (sznurki).pptx
@@ -115,7 +115,7 @@
   </p:defaultTextStyle>
   <p:extLst>
     <p:ext uri="{EFAFB233-063F-42B5-8137-9DF3F51BA10A}">
-      <p15:sldGuideLst xmlns:p15="http://schemas.microsoft.com/office/powerpoint/2012/main">
+      <p15:sldGuideLst xmlns:p15="http://schemas.microsoft.com/office/powerpoint/2012/main" xmlns="">
         <p15:guide id="1" orient="horz" pos="1620">
           <p15:clr>
             <a:srgbClr val="A4A3A4"/>
@@ -214,7 +214,7 @@
           <a:p>
             <a:fld id="{F4CC630C-9AF6-49E5-9919-D038F5C57BFC}" type="datetimeFigureOut">
               <a:rPr lang="en-US" smtClean="0"/>
-              <a:t>4/28/2021</a:t>
+              <a:t>5/5/2021</a:t>
             </a:fld>
             <a:endParaRPr lang="en-US"/>
           </a:p>
@@ -663,7 +663,7 @@
           <a:p>
             <a:fld id="{F19922E3-32CA-40BB-949D-A04DA951D7AE}" type="datetimeFigureOut">
               <a:rPr lang="en-US" smtClean="0"/>
-              <a:t>4/28/2021</a:t>
+              <a:t>5/5/2021</a:t>
             </a:fld>
             <a:endParaRPr lang="en-US"/>
           </a:p>
@@ -833,7 +833,7 @@
           <a:p>
             <a:fld id="{F19922E3-32CA-40BB-949D-A04DA951D7AE}" type="datetimeFigureOut">
               <a:rPr lang="en-US" smtClean="0"/>
-              <a:t>4/28/2021</a:t>
+              <a:t>5/5/2021</a:t>
             </a:fld>
             <a:endParaRPr lang="en-US"/>
           </a:p>
@@ -1013,7 +1013,7 @@
           <a:p>
             <a:fld id="{F19922E3-32CA-40BB-949D-A04DA951D7AE}" type="datetimeFigureOut">
               <a:rPr lang="en-US" smtClean="0"/>
-              <a:t>4/28/2021</a:t>
+              <a:t>5/5/2021</a:t>
             </a:fld>
             <a:endParaRPr lang="en-US"/>
           </a:p>
@@ -1183,7 +1183,7 @@
           <a:p>
             <a:fld id="{F19922E3-32CA-40BB-949D-A04DA951D7AE}" type="datetimeFigureOut">
               <a:rPr lang="en-US" smtClean="0"/>
-              <a:t>4/28/2021</a:t>
+              <a:t>5/5/2021</a:t>
             </a:fld>
             <a:endParaRPr lang="en-US"/>
           </a:p>
@@ -1429,7 +1429,7 @@
           <a:p>
             <a:fld id="{F19922E3-32CA-40BB-949D-A04DA951D7AE}" type="datetimeFigureOut">
               <a:rPr lang="en-US" smtClean="0"/>
-              <a:t>4/28/2021</a:t>
+              <a:t>5/5/2021</a:t>
             </a:fld>
             <a:endParaRPr lang="en-US"/>
           </a:p>
@@ -1717,7 +1717,7 @@
           <a:p>
             <a:fld id="{F19922E3-32CA-40BB-949D-A04DA951D7AE}" type="datetimeFigureOut">
               <a:rPr lang="en-US" smtClean="0"/>
-              <a:t>4/28/2021</a:t>
+              <a:t>5/5/2021</a:t>
             </a:fld>
             <a:endParaRPr lang="en-US"/>
           </a:p>
@@ -2144,7 +2144,7 @@
           <a:p>
             <a:fld id="{F19922E3-32CA-40BB-949D-A04DA951D7AE}" type="datetimeFigureOut">
               <a:rPr lang="en-US" smtClean="0"/>
-              <a:t>4/28/2021</a:t>
+              <a:t>5/5/2021</a:t>
             </a:fld>
             <a:endParaRPr lang="en-US"/>
           </a:p>
@@ -2262,7 +2262,7 @@
           <a:p>
             <a:fld id="{F19922E3-32CA-40BB-949D-A04DA951D7AE}" type="datetimeFigureOut">
               <a:rPr lang="en-US" smtClean="0"/>
-              <a:t>4/28/2021</a:t>
+              <a:t>5/5/2021</a:t>
             </a:fld>
             <a:endParaRPr lang="en-US"/>
           </a:p>
@@ -2357,7 +2357,7 @@
           <a:p>
             <a:fld id="{F19922E3-32CA-40BB-949D-A04DA951D7AE}" type="datetimeFigureOut">
               <a:rPr lang="en-US" smtClean="0"/>
-              <a:t>4/28/2021</a:t>
+              <a:t>5/5/2021</a:t>
             </a:fld>
             <a:endParaRPr lang="en-US"/>
           </a:p>
@@ -2634,7 +2634,7 @@
           <a:p>
             <a:fld id="{F19922E3-32CA-40BB-949D-A04DA951D7AE}" type="datetimeFigureOut">
               <a:rPr lang="en-US" smtClean="0"/>
-              <a:t>4/28/2021</a:t>
+              <a:t>5/5/2021</a:t>
             </a:fld>
             <a:endParaRPr lang="en-US"/>
           </a:p>
@@ -2887,7 +2887,7 @@
           <a:p>
             <a:fld id="{F19922E3-32CA-40BB-949D-A04DA951D7AE}" type="datetimeFigureOut">
               <a:rPr lang="en-US" smtClean="0"/>
-              <a:t>4/28/2021</a:t>
+              <a:t>5/5/2021</a:t>
             </a:fld>
             <a:endParaRPr lang="en-US"/>
           </a:p>
@@ -3109,7 +3109,7 @@
           <a:p>
             <a:fld id="{F19922E3-32CA-40BB-949D-A04DA951D7AE}" type="datetimeFigureOut">
               <a:rPr lang="en-US" smtClean="0"/>
-              <a:t>4/28/2021</a:t>
+              <a:t>5/5/2021</a:t>
             </a:fld>
             <a:endParaRPr lang="en-US"/>
           </a:p>
@@ -5004,6 +5004,55 @@
             </a:endParaRPr>
           </a:p>
           <a:p>
+            <a:r>
+              <a:rPr lang="pl-PL" sz="1600" dirty="0" smtClean="0">
+                <a:latin typeface="+mj-lt"/>
+              </a:rPr>
+              <a:t>Filmy oficjalne GitLab (z deskrypcją, więc można </a:t>
+            </a:r>
+            <a:r>
+              <a:rPr lang="pl-PL" sz="1600">
+                <a:latin typeface="+mj-lt"/>
+              </a:rPr>
+              <a:t>też </a:t>
+            </a:r>
+            <a:r>
+              <a:rPr lang="pl-PL" sz="1600" smtClean="0">
+                <a:latin typeface="+mj-lt"/>
+              </a:rPr>
+              <a:t>poczytać)</a:t>
+            </a:r>
+          </a:p>
+          <a:p>
+            <a:pPr marL="0" indent="0">
+              <a:buNone/>
+            </a:pPr>
+            <a:r>
+              <a:rPr lang="pl-PL" sz="1600" smtClean="0">
+                <a:latin typeface="+mj-lt"/>
+                <a:hlinkClick r:id="rId5"/>
+              </a:rPr>
+              <a:t>https</a:t>
+            </a:r>
+            <a:r>
+              <a:rPr lang="pl-PL" sz="1600">
+                <a:latin typeface="+mj-lt"/>
+                <a:hlinkClick r:id="rId5"/>
+              </a:rPr>
+              <a:t>://</a:t>
+            </a:r>
+            <a:r>
+              <a:rPr lang="pl-PL" sz="1600" smtClean="0">
+                <a:latin typeface="+mj-lt"/>
+                <a:hlinkClick r:id="rId5"/>
+              </a:rPr>
+              <a:t>www.youtube.com/c/Gitlab/videos?view=0&amp;sort=p&amp;flow=grid</a:t>
+            </a:r>
+            <a:endParaRPr lang="pl-PL" sz="1600" smtClean="0">
+              <a:latin typeface="+mj-lt"/>
+            </a:endParaRPr>
+          </a:p>
+          <a:p>
             <a:endParaRPr lang="pl-PL" sz="1600" dirty="0" smtClean="0">
               <a:latin typeface="+mj-lt"/>
             </a:endParaRPr>
@@ -5061,7 +5110,7 @@
           <p:nvPr/>
         </p:nvPicPr>
         <p:blipFill>
-          <a:blip r:embed="rId5" cstate="print">
+          <a:blip r:embed="rId6" cstate="print">
             <a:extLst>
               <a:ext uri="{28A0092B-C50C-407E-A947-70E740481C1C}">
                 <a14:useLocalDpi xmlns:a14="http://schemas.microsoft.com/office/drawing/2010/main" val="0"/>
@@ -5216,11 +5265,7 @@
           <a:p>
             <a:r>
               <a:rPr lang="en-US" sz="1600" dirty="0"/>
-              <a:t>Introducing the GitLab Issue </a:t>
-            </a:r>
-            <a:r>
-              <a:rPr lang="en-US" sz="1600" dirty="0"/>
-              <a:t>Board</a:t>
+              <a:t>Introducing the GitLab Issue Board</a:t>
             </a:r>
             <a:endParaRPr lang="pl-PL" sz="1600" dirty="0"/>
           </a:p>
